--- a/document/ProejectDT.pptx
+++ b/document/ProejectDT.pptx
@@ -264,7 +264,7 @@
           <a:p>
             <a:fld id="{682C012E-4EBA-4799-9B2E-722E3D1B6301}" type="datetimeFigureOut">
               <a:rPr lang="ko-KR" altLang="en-US" smtClean="0"/>
-              <a:t>2025-03-06</a:t>
+              <a:t>2025-03-07</a:t>
             </a:fld>
             <a:endParaRPr lang="ko-KR" altLang="en-US"/>
           </a:p>
@@ -462,7 +462,7 @@
           <a:p>
             <a:fld id="{682C012E-4EBA-4799-9B2E-722E3D1B6301}" type="datetimeFigureOut">
               <a:rPr lang="ko-KR" altLang="en-US" smtClean="0"/>
-              <a:t>2025-03-06</a:t>
+              <a:t>2025-03-07</a:t>
             </a:fld>
             <a:endParaRPr lang="ko-KR" altLang="en-US"/>
           </a:p>
@@ -670,7 +670,7 @@
           <a:p>
             <a:fld id="{682C012E-4EBA-4799-9B2E-722E3D1B6301}" type="datetimeFigureOut">
               <a:rPr lang="ko-KR" altLang="en-US" smtClean="0"/>
-              <a:t>2025-03-06</a:t>
+              <a:t>2025-03-07</a:t>
             </a:fld>
             <a:endParaRPr lang="ko-KR" altLang="en-US"/>
           </a:p>
@@ -868,7 +868,7 @@
           <a:p>
             <a:fld id="{682C012E-4EBA-4799-9B2E-722E3D1B6301}" type="datetimeFigureOut">
               <a:rPr lang="ko-KR" altLang="en-US" smtClean="0"/>
-              <a:t>2025-03-06</a:t>
+              <a:t>2025-03-07</a:t>
             </a:fld>
             <a:endParaRPr lang="ko-KR" altLang="en-US"/>
           </a:p>
@@ -1143,7 +1143,7 @@
           <a:p>
             <a:fld id="{682C012E-4EBA-4799-9B2E-722E3D1B6301}" type="datetimeFigureOut">
               <a:rPr lang="ko-KR" altLang="en-US" smtClean="0"/>
-              <a:t>2025-03-06</a:t>
+              <a:t>2025-03-07</a:t>
             </a:fld>
             <a:endParaRPr lang="ko-KR" altLang="en-US"/>
           </a:p>
@@ -1408,7 +1408,7 @@
           <a:p>
             <a:fld id="{682C012E-4EBA-4799-9B2E-722E3D1B6301}" type="datetimeFigureOut">
               <a:rPr lang="ko-KR" altLang="en-US" smtClean="0"/>
-              <a:t>2025-03-06</a:t>
+              <a:t>2025-03-07</a:t>
             </a:fld>
             <a:endParaRPr lang="ko-KR" altLang="en-US"/>
           </a:p>
@@ -1820,7 +1820,7 @@
           <a:p>
             <a:fld id="{682C012E-4EBA-4799-9B2E-722E3D1B6301}" type="datetimeFigureOut">
               <a:rPr lang="ko-KR" altLang="en-US" smtClean="0"/>
-              <a:t>2025-03-06</a:t>
+              <a:t>2025-03-07</a:t>
             </a:fld>
             <a:endParaRPr lang="ko-KR" altLang="en-US"/>
           </a:p>
@@ -1961,7 +1961,7 @@
           <a:p>
             <a:fld id="{682C012E-4EBA-4799-9B2E-722E3D1B6301}" type="datetimeFigureOut">
               <a:rPr lang="ko-KR" altLang="en-US" smtClean="0"/>
-              <a:t>2025-03-06</a:t>
+              <a:t>2025-03-07</a:t>
             </a:fld>
             <a:endParaRPr lang="ko-KR" altLang="en-US"/>
           </a:p>
@@ -2074,7 +2074,7 @@
           <a:p>
             <a:fld id="{682C012E-4EBA-4799-9B2E-722E3D1B6301}" type="datetimeFigureOut">
               <a:rPr lang="ko-KR" altLang="en-US" smtClean="0"/>
-              <a:t>2025-03-06</a:t>
+              <a:t>2025-03-07</a:t>
             </a:fld>
             <a:endParaRPr lang="ko-KR" altLang="en-US"/>
           </a:p>
@@ -2385,7 +2385,7 @@
           <a:p>
             <a:fld id="{682C012E-4EBA-4799-9B2E-722E3D1B6301}" type="datetimeFigureOut">
               <a:rPr lang="ko-KR" altLang="en-US" smtClean="0"/>
-              <a:t>2025-03-06</a:t>
+              <a:t>2025-03-07</a:t>
             </a:fld>
             <a:endParaRPr lang="ko-KR" altLang="en-US"/>
           </a:p>
@@ -2673,7 +2673,7 @@
           <a:p>
             <a:fld id="{682C012E-4EBA-4799-9B2E-722E3D1B6301}" type="datetimeFigureOut">
               <a:rPr lang="ko-KR" altLang="en-US" smtClean="0"/>
-              <a:t>2025-03-06</a:t>
+              <a:t>2025-03-07</a:t>
             </a:fld>
             <a:endParaRPr lang="ko-KR" altLang="en-US"/>
           </a:p>
@@ -2914,7 +2914,7 @@
           <a:p>
             <a:fld id="{682C012E-4EBA-4799-9B2E-722E3D1B6301}" type="datetimeFigureOut">
               <a:rPr lang="ko-KR" altLang="en-US" smtClean="0"/>
-              <a:t>2025-03-06</a:t>
+              <a:t>2025-03-07</a:t>
             </a:fld>
             <a:endParaRPr lang="ko-KR" altLang="en-US"/>
           </a:p>
@@ -4117,7 +4117,7 @@
         </p:nvGrpSpPr>
         <p:grpSpPr>
           <a:xfrm>
-            <a:off x="8948715" y="4340228"/>
+            <a:off x="8948715" y="4426366"/>
             <a:ext cx="2451652" cy="1022548"/>
             <a:chOff x="766689" y="1737360"/>
             <a:chExt cx="2042772" cy="1266792"/>
@@ -4351,10 +4351,10 @@
         </p:nvGrpSpPr>
         <p:grpSpPr>
           <a:xfrm>
-            <a:off x="5706718" y="3035360"/>
-            <a:ext cx="2760621" cy="1237991"/>
+            <a:off x="5706718" y="2889588"/>
+            <a:ext cx="2760621" cy="1453435"/>
             <a:chOff x="766689" y="1737360"/>
-            <a:chExt cx="2042772" cy="1533695"/>
+            <a:chExt cx="2042772" cy="1800600"/>
           </a:xfrm>
         </p:grpSpPr>
         <p:sp>
@@ -4442,7 +4442,7 @@
           <p:spPr>
             <a:xfrm>
               <a:off x="766689" y="2089052"/>
-              <a:ext cx="2042772" cy="1182003"/>
+              <a:ext cx="2042772" cy="1448908"/>
             </a:xfrm>
             <a:prstGeom prst="rect">
               <a:avLst/>
@@ -4525,6 +4525,47 @@
                   <a:ea typeface="배달의민족 한나체 Air" panose="020B0600000101010101" pitchFamily="50" charset="-127"/>
                 </a:rPr>
                 <a:t>포션이름</a:t>
+              </a:r>
+              <a:r>
+                <a:rPr lang="en-US" altLang="ko-KR" sz="1050" dirty="0">
+                  <a:latin typeface="배달의민족 한나체 Air" panose="020B0600000101010101" pitchFamily="50" charset="-127"/>
+                  <a:ea typeface="배달의민족 한나체 Air" panose="020B0600000101010101" pitchFamily="50" charset="-127"/>
+                </a:rPr>
+                <a:t>)</a:t>
+              </a:r>
+            </a:p>
+            <a:p>
+              <a:pPr marL="285750" indent="-285750">
+                <a:buFontTx/>
+                <a:buChar char="-"/>
+              </a:pPr>
+              <a:r>
+                <a:rPr lang="en-US" altLang="ko-KR" sz="1400" b="1" dirty="0" err="1">
+                  <a:latin typeface="배달의민족 한나체 Air" panose="020B0600000101010101" pitchFamily="50" charset="-127"/>
+                  <a:ea typeface="배달의민족 한나체 Air" panose="020B0600000101010101" pitchFamily="50" charset="-127"/>
+                </a:rPr>
+                <a:t>ReicpeGrade</a:t>
+              </a:r>
+              <a:r>
+                <a:rPr lang="en-US" altLang="ko-KR" sz="1050" dirty="0">
+                  <a:latin typeface="배달의민족 한나체 Air" panose="020B0600000101010101" pitchFamily="50" charset="-127"/>
+                  <a:ea typeface="배달의민족 한나체 Air" panose="020B0600000101010101" pitchFamily="50" charset="-127"/>
+                </a:rPr>
+                <a:t> (</a:t>
+              </a:r>
+              <a:r>
+                <a:rPr lang="ko-KR" altLang="en-US" sz="1050" dirty="0" err="1">
+                  <a:latin typeface="배달의민족 한나체 Air" panose="020B0600000101010101" pitchFamily="50" charset="-127"/>
+                  <a:ea typeface="배달의민족 한나체 Air" panose="020B0600000101010101" pitchFamily="50" charset="-127"/>
+                </a:rPr>
+                <a:t>포션</a:t>
+              </a:r>
+              <a:r>
+                <a:rPr lang="ko-KR" altLang="en-US" sz="1050" dirty="0">
+                  <a:latin typeface="배달의민족 한나체 Air" panose="020B0600000101010101" pitchFamily="50" charset="-127"/>
+                  <a:ea typeface="배달의민족 한나체 Air" panose="020B0600000101010101" pitchFamily="50" charset="-127"/>
+                </a:rPr>
+                <a:t> 레시피 등급</a:t>
               </a:r>
               <a:r>
                 <a:rPr lang="en-US" altLang="ko-KR" sz="1050" dirty="0">
@@ -5009,9 +5050,9 @@
           <p:nvPr/>
         </p:nvCxnSpPr>
         <p:spPr>
-          <a:xfrm>
-            <a:off x="3717235" y="3766997"/>
-            <a:ext cx="1989483" cy="29301"/>
+          <a:xfrm flipV="1">
+            <a:off x="3717235" y="3758248"/>
+            <a:ext cx="1989483" cy="8749"/>
           </a:xfrm>
           <a:prstGeom prst="straightConnector1">
             <a:avLst/>
@@ -5052,7 +5093,7 @@
         </p:nvSpPr>
         <p:spPr>
           <a:xfrm>
-            <a:off x="6038032" y="3791948"/>
+            <a:off x="6038032" y="3878086"/>
             <a:ext cx="1972908" cy="228600"/>
           </a:xfrm>
           <a:prstGeom prst="rect">
@@ -5108,7 +5149,7 @@
         </p:nvCxnSpPr>
         <p:spPr>
           <a:xfrm>
-            <a:off x="8010940" y="3906248"/>
+            <a:off x="8010940" y="3992386"/>
             <a:ext cx="2163601" cy="433980"/>
           </a:xfrm>
           <a:prstGeom prst="bentConnector2">
@@ -5136,692 +5177,6 @@
           </a:fontRef>
         </p:style>
       </p:cxnSp>
-      <p:graphicFrame>
-        <p:nvGraphicFramePr>
-          <p:cNvPr id="50" name="표 49">
-            <a:extLst>
-              <a:ext uri="{FF2B5EF4-FFF2-40B4-BE49-F238E27FC236}">
-                <a16:creationId xmlns:a16="http://schemas.microsoft.com/office/drawing/2014/main" id="{9AA506C8-3B6C-0B27-D434-77475885C93E}"/>
-              </a:ext>
-            </a:extLst>
-          </p:cNvPr>
-          <p:cNvGraphicFramePr>
-            <a:graphicFrameLocks noGrp="1"/>
-          </p:cNvGraphicFramePr>
-          <p:nvPr>
-            <p:extLst>
-              <p:ext uri="{D42A27DB-BD31-4B8C-83A1-F6EECF244321}">
-                <p14:modId xmlns:p14="http://schemas.microsoft.com/office/powerpoint/2010/main" val="1695642182"/>
-              </p:ext>
-            </p:extLst>
-          </p:nvPr>
-        </p:nvGraphicFramePr>
-        <p:xfrm>
-          <a:off x="4407760" y="4981724"/>
-          <a:ext cx="3510171" cy="1432792"/>
-        </p:xfrm>
-        <a:graphic>
-          <a:graphicData uri="http://schemas.openxmlformats.org/drawingml/2006/table">
-            <a:tbl>
-              <a:tblPr firstRow="1" bandRow="1">
-                <a:tableStyleId>{5C22544A-7EE6-4342-B048-85BDC9FD1C3A}</a:tableStyleId>
-              </a:tblPr>
-              <a:tblGrid>
-                <a:gridCol w="1170057">
-                  <a:extLst>
-                    <a:ext uri="{9D8B030D-6E8A-4147-A177-3AD203B41FA5}">
-                      <a16:colId xmlns:a16="http://schemas.microsoft.com/office/drawing/2014/main" val="152609404"/>
-                    </a:ext>
-                  </a:extLst>
-                </a:gridCol>
-                <a:gridCol w="1170057">
-                  <a:extLst>
-                    <a:ext uri="{9D8B030D-6E8A-4147-A177-3AD203B41FA5}">
-                      <a16:colId xmlns:a16="http://schemas.microsoft.com/office/drawing/2014/main" val="1783368973"/>
-                    </a:ext>
-                  </a:extLst>
-                </a:gridCol>
-                <a:gridCol w="1170057">
-                  <a:extLst>
-                    <a:ext uri="{9D8B030D-6E8A-4147-A177-3AD203B41FA5}">
-                      <a16:colId xmlns:a16="http://schemas.microsoft.com/office/drawing/2014/main" val="3931057714"/>
-                    </a:ext>
-                  </a:extLst>
-                </a:gridCol>
-              </a:tblGrid>
-              <a:tr h="358198">
-                <a:tc gridSpan="3">
-                  <a:txBody>
-                    <a:bodyPr/>
-                    <a:lstStyle/>
-                    <a:p>
-                      <a:pPr algn="ctr" latinLnBrk="1"/>
-                      <a:r>
-                        <a:rPr lang="ko-KR" altLang="en-US" sz="1600" dirty="0"/>
-                        <a:t>재료 </a:t>
-                      </a:r>
-                      <a:r>
-                        <a:rPr lang="en-US" altLang="ko-KR" sz="1600" dirty="0"/>
-                        <a:t>DT</a:t>
-                      </a:r>
-                      <a:endParaRPr lang="ko-KR" altLang="en-US" sz="1600" dirty="0"/>
-                    </a:p>
-                  </a:txBody>
-                  <a:tcPr anchor="ctr">
-                    <a:lnL w="12700" cap="flat" cmpd="sng" algn="ctr">
-                      <a:solidFill>
-                        <a:schemeClr val="tx1"/>
-                      </a:solidFill>
-                      <a:prstDash val="solid"/>
-                      <a:round/>
-                      <a:headEnd type="none" w="med" len="med"/>
-                      <a:tailEnd type="none" w="med" len="med"/>
-                    </a:lnL>
-                    <a:lnR w="12700" cap="flat" cmpd="sng" algn="ctr">
-                      <a:solidFill>
-                        <a:schemeClr val="tx1"/>
-                      </a:solidFill>
-                      <a:prstDash val="solid"/>
-                      <a:round/>
-                      <a:headEnd type="none" w="med" len="med"/>
-                      <a:tailEnd type="none" w="med" len="med"/>
-                    </a:lnR>
-                    <a:lnT w="12700" cap="flat" cmpd="sng" algn="ctr">
-                      <a:solidFill>
-                        <a:schemeClr val="tx1"/>
-                      </a:solidFill>
-                      <a:prstDash val="solid"/>
-                      <a:round/>
-                      <a:headEnd type="none" w="med" len="med"/>
-                      <a:tailEnd type="none" w="med" len="med"/>
-                    </a:lnT>
-                    <a:lnB w="12700" cap="flat" cmpd="sng" algn="ctr">
-                      <a:solidFill>
-                        <a:schemeClr val="tx1"/>
-                      </a:solidFill>
-                      <a:prstDash val="solid"/>
-                      <a:round/>
-                      <a:headEnd type="none" w="med" len="med"/>
-                      <a:tailEnd type="none" w="med" len="med"/>
-                    </a:lnB>
-                  </a:tcPr>
-                </a:tc>
-                <a:tc hMerge="1">
-                  <a:txBody>
-                    <a:bodyPr/>
-                    <a:lstStyle/>
-                    <a:p>
-                      <a:pPr latinLnBrk="1"/>
-                      <a:endParaRPr lang="ko-KR" altLang="en-US" dirty="0"/>
-                    </a:p>
-                  </a:txBody>
-                  <a:tcPr/>
-                </a:tc>
-                <a:tc hMerge="1">
-                  <a:txBody>
-                    <a:bodyPr/>
-                    <a:lstStyle/>
-                    <a:p>
-                      <a:pPr latinLnBrk="1"/>
-                      <a:endParaRPr lang="ko-KR" altLang="en-US" dirty="0"/>
-                    </a:p>
-                  </a:txBody>
-                  <a:tcPr/>
-                </a:tc>
-                <a:extLst>
-                  <a:ext uri="{0D108BD9-81ED-4DB2-BD59-A6C34878D82A}">
-                    <a16:rowId xmlns:a16="http://schemas.microsoft.com/office/drawing/2014/main" val="3887809501"/>
-                  </a:ext>
-                </a:extLst>
-              </a:tr>
-              <a:tr h="358198">
-                <a:tc>
-                  <a:txBody>
-                    <a:bodyPr/>
-                    <a:lstStyle/>
-                    <a:p>
-                      <a:pPr algn="ctr" latinLnBrk="1"/>
-                      <a:r>
-                        <a:rPr lang="en-US" altLang="ko-KR" sz="1200" dirty="0">
-                          <a:solidFill>
-                            <a:schemeClr val="tx1"/>
-                          </a:solidFill>
-                        </a:rPr>
-                        <a:t>ID</a:t>
-                      </a:r>
-                      <a:endParaRPr lang="ko-KR" altLang="en-US" sz="1200" dirty="0">
-                        <a:solidFill>
-                          <a:schemeClr val="tx1"/>
-                        </a:solidFill>
-                      </a:endParaRPr>
-                    </a:p>
-                  </a:txBody>
-                  <a:tcPr anchor="ctr">
-                    <a:lnL w="12700" cap="flat" cmpd="sng" algn="ctr">
-                      <a:solidFill>
-                        <a:schemeClr val="tx1"/>
-                      </a:solidFill>
-                      <a:prstDash val="solid"/>
-                      <a:round/>
-                      <a:headEnd type="none" w="med" len="med"/>
-                      <a:tailEnd type="none" w="med" len="med"/>
-                    </a:lnL>
-                    <a:lnR w="12700" cap="flat" cmpd="sng" algn="ctr">
-                      <a:solidFill>
-                        <a:schemeClr val="tx1"/>
-                      </a:solidFill>
-                      <a:prstDash val="solid"/>
-                      <a:round/>
-                      <a:headEnd type="none" w="med" len="med"/>
-                      <a:tailEnd type="none" w="med" len="med"/>
-                    </a:lnR>
-                    <a:lnT w="12700" cap="flat" cmpd="sng" algn="ctr">
-                      <a:solidFill>
-                        <a:schemeClr val="tx1"/>
-                      </a:solidFill>
-                      <a:prstDash val="solid"/>
-                      <a:round/>
-                      <a:headEnd type="none" w="med" len="med"/>
-                      <a:tailEnd type="none" w="med" len="med"/>
-                    </a:lnT>
-                    <a:lnB w="12700" cap="flat" cmpd="sng" algn="ctr">
-                      <a:solidFill>
-                        <a:schemeClr val="tx1"/>
-                      </a:solidFill>
-                      <a:prstDash val="solid"/>
-                      <a:round/>
-                      <a:headEnd type="none" w="med" len="med"/>
-                      <a:tailEnd type="none" w="med" len="med"/>
-                    </a:lnB>
-                    <a:solidFill>
-                      <a:schemeClr val="bg2">
-                        <a:lumMod val="75000"/>
-                      </a:schemeClr>
-                    </a:solidFill>
-                  </a:tcPr>
-                </a:tc>
-                <a:tc>
-                  <a:txBody>
-                    <a:bodyPr/>
-                    <a:lstStyle/>
-                    <a:p>
-                      <a:pPr algn="ctr" latinLnBrk="1"/>
-                      <a:r>
-                        <a:rPr lang="en-US" altLang="ko-KR" sz="1200" dirty="0" err="1">
-                          <a:solidFill>
-                            <a:schemeClr val="tx1"/>
-                          </a:solidFill>
-                        </a:rPr>
-                        <a:t>MaterialName</a:t>
-                      </a:r>
-                      <a:endParaRPr lang="ko-KR" altLang="en-US" sz="1200" dirty="0">
-                        <a:solidFill>
-                          <a:schemeClr val="tx1"/>
-                        </a:solidFill>
-                      </a:endParaRPr>
-                    </a:p>
-                  </a:txBody>
-                  <a:tcPr anchor="ctr">
-                    <a:lnL w="12700" cap="flat" cmpd="sng" algn="ctr">
-                      <a:solidFill>
-                        <a:schemeClr val="tx1"/>
-                      </a:solidFill>
-                      <a:prstDash val="solid"/>
-                      <a:round/>
-                      <a:headEnd type="none" w="med" len="med"/>
-                      <a:tailEnd type="none" w="med" len="med"/>
-                    </a:lnL>
-                    <a:lnR w="12700" cap="flat" cmpd="sng" algn="ctr">
-                      <a:solidFill>
-                        <a:schemeClr val="tx1"/>
-                      </a:solidFill>
-                      <a:prstDash val="solid"/>
-                      <a:round/>
-                      <a:headEnd type="none" w="med" len="med"/>
-                      <a:tailEnd type="none" w="med" len="med"/>
-                    </a:lnR>
-                    <a:lnT w="12700" cap="flat" cmpd="sng" algn="ctr">
-                      <a:solidFill>
-                        <a:schemeClr val="tx1"/>
-                      </a:solidFill>
-                      <a:prstDash val="solid"/>
-                      <a:round/>
-                      <a:headEnd type="none" w="med" len="med"/>
-                      <a:tailEnd type="none" w="med" len="med"/>
-                    </a:lnT>
-                    <a:lnB w="12700" cap="flat" cmpd="sng" algn="ctr">
-                      <a:solidFill>
-                        <a:schemeClr val="tx1"/>
-                      </a:solidFill>
-                      <a:prstDash val="solid"/>
-                      <a:round/>
-                      <a:headEnd type="none" w="med" len="med"/>
-                      <a:tailEnd type="none" w="med" len="med"/>
-                    </a:lnB>
-                    <a:solidFill>
-                      <a:schemeClr val="bg2">
-                        <a:lumMod val="75000"/>
-                      </a:schemeClr>
-                    </a:solidFill>
-                  </a:tcPr>
-                </a:tc>
-                <a:tc>
-                  <a:txBody>
-                    <a:bodyPr/>
-                    <a:lstStyle/>
-                    <a:p>
-                      <a:pPr algn="ctr" latinLnBrk="1"/>
-                      <a:r>
-                        <a:rPr lang="en-US" altLang="ko-KR" sz="1200" dirty="0" err="1">
-                          <a:solidFill>
-                            <a:schemeClr val="tx1"/>
-                          </a:solidFill>
-                        </a:rPr>
-                        <a:t>MaterialGrade</a:t>
-                      </a:r>
-                      <a:endParaRPr lang="ko-KR" altLang="en-US" sz="1200" dirty="0">
-                        <a:solidFill>
-                          <a:schemeClr val="tx1"/>
-                        </a:solidFill>
-                      </a:endParaRPr>
-                    </a:p>
-                  </a:txBody>
-                  <a:tcPr anchor="ctr">
-                    <a:lnL w="12700" cap="flat" cmpd="sng" algn="ctr">
-                      <a:solidFill>
-                        <a:schemeClr val="tx1"/>
-                      </a:solidFill>
-                      <a:prstDash val="solid"/>
-                      <a:round/>
-                      <a:headEnd type="none" w="med" len="med"/>
-                      <a:tailEnd type="none" w="med" len="med"/>
-                    </a:lnL>
-                    <a:lnR w="12700" cap="flat" cmpd="sng" algn="ctr">
-                      <a:solidFill>
-                        <a:schemeClr val="tx1"/>
-                      </a:solidFill>
-                      <a:prstDash val="solid"/>
-                      <a:round/>
-                      <a:headEnd type="none" w="med" len="med"/>
-                      <a:tailEnd type="none" w="med" len="med"/>
-                    </a:lnR>
-                    <a:lnT w="12700" cap="flat" cmpd="sng" algn="ctr">
-                      <a:solidFill>
-                        <a:schemeClr val="tx1"/>
-                      </a:solidFill>
-                      <a:prstDash val="solid"/>
-                      <a:round/>
-                      <a:headEnd type="none" w="med" len="med"/>
-                      <a:tailEnd type="none" w="med" len="med"/>
-                    </a:lnT>
-                    <a:lnB w="12700" cap="flat" cmpd="sng" algn="ctr">
-                      <a:solidFill>
-                        <a:schemeClr val="tx1"/>
-                      </a:solidFill>
-                      <a:prstDash val="solid"/>
-                      <a:round/>
-                      <a:headEnd type="none" w="med" len="med"/>
-                      <a:tailEnd type="none" w="med" len="med"/>
-                    </a:lnB>
-                    <a:solidFill>
-                      <a:schemeClr val="bg2">
-                        <a:lumMod val="75000"/>
-                      </a:schemeClr>
-                    </a:solidFill>
-                  </a:tcPr>
-                </a:tc>
-                <a:extLst>
-                  <a:ext uri="{0D108BD9-81ED-4DB2-BD59-A6C34878D82A}">
-                    <a16:rowId xmlns:a16="http://schemas.microsoft.com/office/drawing/2014/main" val="3054322222"/>
-                  </a:ext>
-                </a:extLst>
-              </a:tr>
-              <a:tr h="358198">
-                <a:tc>
-                  <a:txBody>
-                    <a:bodyPr/>
-                    <a:lstStyle/>
-                    <a:p>
-                      <a:pPr algn="ctr" latinLnBrk="1"/>
-                      <a:r>
-                        <a:rPr lang="en-US" altLang="ko-KR" sz="1050" dirty="0"/>
-                        <a:t>4001</a:t>
-                      </a:r>
-                      <a:endParaRPr lang="ko-KR" altLang="en-US" sz="1050" dirty="0"/>
-                    </a:p>
-                  </a:txBody>
-                  <a:tcPr anchor="ctr">
-                    <a:lnL w="12700" cap="flat" cmpd="sng" algn="ctr">
-                      <a:solidFill>
-                        <a:schemeClr val="tx1"/>
-                      </a:solidFill>
-                      <a:prstDash val="solid"/>
-                      <a:round/>
-                      <a:headEnd type="none" w="med" len="med"/>
-                      <a:tailEnd type="none" w="med" len="med"/>
-                    </a:lnL>
-                    <a:lnR w="12700" cap="flat" cmpd="sng" algn="ctr">
-                      <a:solidFill>
-                        <a:schemeClr val="tx1"/>
-                      </a:solidFill>
-                      <a:prstDash val="solid"/>
-                      <a:round/>
-                      <a:headEnd type="none" w="med" len="med"/>
-                      <a:tailEnd type="none" w="med" len="med"/>
-                    </a:lnR>
-                    <a:lnT w="12700" cap="flat" cmpd="sng" algn="ctr">
-                      <a:solidFill>
-                        <a:schemeClr val="tx1"/>
-                      </a:solidFill>
-                      <a:prstDash val="solid"/>
-                      <a:round/>
-                      <a:headEnd type="none" w="med" len="med"/>
-                      <a:tailEnd type="none" w="med" len="med"/>
-                    </a:lnT>
-                    <a:lnB w="12700" cap="flat" cmpd="sng" algn="ctr">
-                      <a:solidFill>
-                        <a:schemeClr val="tx1"/>
-                      </a:solidFill>
-                      <a:prstDash val="solid"/>
-                      <a:round/>
-                      <a:headEnd type="none" w="med" len="med"/>
-                      <a:tailEnd type="none" w="med" len="med"/>
-                    </a:lnB>
-                    <a:solidFill>
-                      <a:schemeClr val="bg1"/>
-                    </a:solidFill>
-                  </a:tcPr>
-                </a:tc>
-                <a:tc>
-                  <a:txBody>
-                    <a:bodyPr/>
-                    <a:lstStyle/>
-                    <a:p>
-                      <a:pPr algn="ctr" latinLnBrk="1"/>
-                      <a:r>
-                        <a:rPr lang="ko-KR" altLang="en-US" sz="1050" dirty="0"/>
-                        <a:t>허브</a:t>
-                      </a:r>
-                    </a:p>
-                  </a:txBody>
-                  <a:tcPr anchor="ctr">
-                    <a:lnL w="12700" cap="flat" cmpd="sng" algn="ctr">
-                      <a:solidFill>
-                        <a:schemeClr val="tx1"/>
-                      </a:solidFill>
-                      <a:prstDash val="solid"/>
-                      <a:round/>
-                      <a:headEnd type="none" w="med" len="med"/>
-                      <a:tailEnd type="none" w="med" len="med"/>
-                    </a:lnL>
-                    <a:lnR w="12700" cap="flat" cmpd="sng" algn="ctr">
-                      <a:solidFill>
-                        <a:schemeClr val="tx1"/>
-                      </a:solidFill>
-                      <a:prstDash val="solid"/>
-                      <a:round/>
-                      <a:headEnd type="none" w="med" len="med"/>
-                      <a:tailEnd type="none" w="med" len="med"/>
-                    </a:lnR>
-                    <a:lnT w="12700" cap="flat" cmpd="sng" algn="ctr">
-                      <a:solidFill>
-                        <a:schemeClr val="tx1"/>
-                      </a:solidFill>
-                      <a:prstDash val="solid"/>
-                      <a:round/>
-                      <a:headEnd type="none" w="med" len="med"/>
-                      <a:tailEnd type="none" w="med" len="med"/>
-                    </a:lnT>
-                    <a:lnB w="12700" cap="flat" cmpd="sng" algn="ctr">
-                      <a:solidFill>
-                        <a:schemeClr val="tx1"/>
-                      </a:solidFill>
-                      <a:prstDash val="solid"/>
-                      <a:round/>
-                      <a:headEnd type="none" w="med" len="med"/>
-                      <a:tailEnd type="none" w="med" len="med"/>
-                    </a:lnB>
-                    <a:solidFill>
-                      <a:schemeClr val="bg1"/>
-                    </a:solidFill>
-                  </a:tcPr>
-                </a:tc>
-                <a:tc>
-                  <a:txBody>
-                    <a:bodyPr/>
-                    <a:lstStyle/>
-                    <a:p>
-                      <a:pPr algn="ctr" latinLnBrk="1"/>
-                      <a:r>
-                        <a:rPr lang="en-US" altLang="ko-KR" sz="1050" dirty="0"/>
-                        <a:t>1</a:t>
-                      </a:r>
-                      <a:endParaRPr lang="ko-KR" altLang="en-US" sz="1050" dirty="0"/>
-                    </a:p>
-                  </a:txBody>
-                  <a:tcPr anchor="ctr">
-                    <a:lnL w="12700" cap="flat" cmpd="sng" algn="ctr">
-                      <a:solidFill>
-                        <a:schemeClr val="tx1"/>
-                      </a:solidFill>
-                      <a:prstDash val="solid"/>
-                      <a:round/>
-                      <a:headEnd type="none" w="med" len="med"/>
-                      <a:tailEnd type="none" w="med" len="med"/>
-                    </a:lnL>
-                    <a:lnR w="12700" cap="flat" cmpd="sng" algn="ctr">
-                      <a:solidFill>
-                        <a:schemeClr val="tx1"/>
-                      </a:solidFill>
-                      <a:prstDash val="solid"/>
-                      <a:round/>
-                      <a:headEnd type="none" w="med" len="med"/>
-                      <a:tailEnd type="none" w="med" len="med"/>
-                    </a:lnR>
-                    <a:lnT w="12700" cap="flat" cmpd="sng" algn="ctr">
-                      <a:solidFill>
-                        <a:schemeClr val="tx1"/>
-                      </a:solidFill>
-                      <a:prstDash val="solid"/>
-                      <a:round/>
-                      <a:headEnd type="none" w="med" len="med"/>
-                      <a:tailEnd type="none" w="med" len="med"/>
-                    </a:lnT>
-                    <a:lnB w="12700" cap="flat" cmpd="sng" algn="ctr">
-                      <a:solidFill>
-                        <a:schemeClr val="tx1"/>
-                      </a:solidFill>
-                      <a:prstDash val="solid"/>
-                      <a:round/>
-                      <a:headEnd type="none" w="med" len="med"/>
-                      <a:tailEnd type="none" w="med" len="med"/>
-                    </a:lnB>
-                    <a:solidFill>
-                      <a:schemeClr val="bg1"/>
-                    </a:solidFill>
-                  </a:tcPr>
-                </a:tc>
-                <a:extLst>
-                  <a:ext uri="{0D108BD9-81ED-4DB2-BD59-A6C34878D82A}">
-                    <a16:rowId xmlns:a16="http://schemas.microsoft.com/office/drawing/2014/main" val="3000351780"/>
-                  </a:ext>
-                </a:extLst>
-              </a:tr>
-              <a:tr h="358198">
-                <a:tc>
-                  <a:txBody>
-                    <a:bodyPr/>
-                    <a:lstStyle/>
-                    <a:p>
-                      <a:pPr algn="ctr" latinLnBrk="1"/>
-                      <a:r>
-                        <a:rPr lang="en-US" altLang="ko-KR" sz="1050" dirty="0"/>
-                        <a:t>4002</a:t>
-                      </a:r>
-                      <a:endParaRPr lang="ko-KR" altLang="en-US" sz="1050" dirty="0"/>
-                    </a:p>
-                  </a:txBody>
-                  <a:tcPr anchor="ctr">
-                    <a:lnL w="12700" cap="flat" cmpd="sng" algn="ctr">
-                      <a:solidFill>
-                        <a:schemeClr val="tx1"/>
-                      </a:solidFill>
-                      <a:prstDash val="solid"/>
-                      <a:round/>
-                      <a:headEnd type="none" w="med" len="med"/>
-                      <a:tailEnd type="none" w="med" len="med"/>
-                    </a:lnL>
-                    <a:lnR w="12700" cap="flat" cmpd="sng" algn="ctr">
-                      <a:solidFill>
-                        <a:schemeClr val="tx1"/>
-                      </a:solidFill>
-                      <a:prstDash val="solid"/>
-                      <a:round/>
-                      <a:headEnd type="none" w="med" len="med"/>
-                      <a:tailEnd type="none" w="med" len="med"/>
-                    </a:lnR>
-                    <a:lnT w="12700" cap="flat" cmpd="sng" algn="ctr">
-                      <a:solidFill>
-                        <a:schemeClr val="tx1"/>
-                      </a:solidFill>
-                      <a:prstDash val="solid"/>
-                      <a:round/>
-                      <a:headEnd type="none" w="med" len="med"/>
-                      <a:tailEnd type="none" w="med" len="med"/>
-                    </a:lnT>
-                    <a:lnB w="12700" cap="flat" cmpd="sng" algn="ctr">
-                      <a:solidFill>
-                        <a:schemeClr val="tx1"/>
-                      </a:solidFill>
-                      <a:prstDash val="solid"/>
-                      <a:round/>
-                      <a:headEnd type="none" w="med" len="med"/>
-                      <a:tailEnd type="none" w="med" len="med"/>
-                    </a:lnB>
-                    <a:solidFill>
-                      <a:schemeClr val="bg1"/>
-                    </a:solidFill>
-                  </a:tcPr>
-                </a:tc>
-                <a:tc>
-                  <a:txBody>
-                    <a:bodyPr/>
-                    <a:lstStyle/>
-                    <a:p>
-                      <a:pPr algn="ctr" latinLnBrk="1"/>
-                      <a:r>
-                        <a:rPr lang="ko-KR" altLang="en-US" sz="1050" dirty="0"/>
-                        <a:t>약초</a:t>
-                      </a:r>
-                    </a:p>
-                  </a:txBody>
-                  <a:tcPr anchor="ctr">
-                    <a:lnL w="12700" cap="flat" cmpd="sng" algn="ctr">
-                      <a:solidFill>
-                        <a:schemeClr val="tx1"/>
-                      </a:solidFill>
-                      <a:prstDash val="solid"/>
-                      <a:round/>
-                      <a:headEnd type="none" w="med" len="med"/>
-                      <a:tailEnd type="none" w="med" len="med"/>
-                    </a:lnL>
-                    <a:lnR w="12700" cap="flat" cmpd="sng" algn="ctr">
-                      <a:solidFill>
-                        <a:schemeClr val="tx1"/>
-                      </a:solidFill>
-                      <a:prstDash val="solid"/>
-                      <a:round/>
-                      <a:headEnd type="none" w="med" len="med"/>
-                      <a:tailEnd type="none" w="med" len="med"/>
-                    </a:lnR>
-                    <a:lnT w="12700" cap="flat" cmpd="sng" algn="ctr">
-                      <a:solidFill>
-                        <a:schemeClr val="tx1"/>
-                      </a:solidFill>
-                      <a:prstDash val="solid"/>
-                      <a:round/>
-                      <a:headEnd type="none" w="med" len="med"/>
-                      <a:tailEnd type="none" w="med" len="med"/>
-                    </a:lnT>
-                    <a:lnB w="12700" cap="flat" cmpd="sng" algn="ctr">
-                      <a:solidFill>
-                        <a:schemeClr val="tx1"/>
-                      </a:solidFill>
-                      <a:prstDash val="solid"/>
-                      <a:round/>
-                      <a:headEnd type="none" w="med" len="med"/>
-                      <a:tailEnd type="none" w="med" len="med"/>
-                    </a:lnB>
-                    <a:solidFill>
-                      <a:schemeClr val="bg1"/>
-                    </a:solidFill>
-                  </a:tcPr>
-                </a:tc>
-                <a:tc>
-                  <a:txBody>
-                    <a:bodyPr/>
-                    <a:lstStyle/>
-                    <a:p>
-                      <a:pPr algn="ctr" latinLnBrk="1"/>
-                      <a:r>
-                        <a:rPr lang="en-US" altLang="ko-KR" sz="1050" dirty="0"/>
-                        <a:t>1</a:t>
-                      </a:r>
-                      <a:endParaRPr lang="ko-KR" altLang="en-US" sz="1050" dirty="0"/>
-                    </a:p>
-                  </a:txBody>
-                  <a:tcPr anchor="ctr">
-                    <a:lnL w="12700" cap="flat" cmpd="sng" algn="ctr">
-                      <a:solidFill>
-                        <a:schemeClr val="tx1"/>
-                      </a:solidFill>
-                      <a:prstDash val="solid"/>
-                      <a:round/>
-                      <a:headEnd type="none" w="med" len="med"/>
-                      <a:tailEnd type="none" w="med" len="med"/>
-                    </a:lnL>
-                    <a:lnR w="12700" cap="flat" cmpd="sng" algn="ctr">
-                      <a:solidFill>
-                        <a:schemeClr val="tx1"/>
-                      </a:solidFill>
-                      <a:prstDash val="solid"/>
-                      <a:round/>
-                      <a:headEnd type="none" w="med" len="med"/>
-                      <a:tailEnd type="none" w="med" len="med"/>
-                    </a:lnR>
-                    <a:lnT w="12700" cap="flat" cmpd="sng" algn="ctr">
-                      <a:solidFill>
-                        <a:schemeClr val="tx1"/>
-                      </a:solidFill>
-                      <a:prstDash val="solid"/>
-                      <a:round/>
-                      <a:headEnd type="none" w="med" len="med"/>
-                      <a:tailEnd type="none" w="med" len="med"/>
-                    </a:lnT>
-                    <a:lnB w="12700" cap="flat" cmpd="sng" algn="ctr">
-                      <a:solidFill>
-                        <a:schemeClr val="tx1"/>
-                      </a:solidFill>
-                      <a:prstDash val="solid"/>
-                      <a:round/>
-                      <a:headEnd type="none" w="med" len="med"/>
-                      <a:tailEnd type="none" w="med" len="med"/>
-                    </a:lnB>
-                    <a:solidFill>
-                      <a:schemeClr val="bg1"/>
-                    </a:solidFill>
-                  </a:tcPr>
-                </a:tc>
-                <a:extLst>
-                  <a:ext uri="{0D108BD9-81ED-4DB2-BD59-A6C34878D82A}">
-                    <a16:rowId xmlns:a16="http://schemas.microsoft.com/office/drawing/2014/main" val="2035745614"/>
-                  </a:ext>
-                </a:extLst>
-              </a:tr>
-            </a:tbl>
-          </a:graphicData>
-        </a:graphic>
-      </p:graphicFrame>
     </p:spTree>
     <p:extLst>
       <p:ext uri="{BB962C8B-B14F-4D97-AF65-F5344CB8AC3E}">
@@ -8925,7 +8280,7 @@
           <p:nvPr>
             <p:extLst>
               <p:ext uri="{D42A27DB-BD31-4B8C-83A1-F6EECF244321}">
-                <p14:modId xmlns:p14="http://schemas.microsoft.com/office/powerpoint/2010/main" val="3443056828"/>
+                <p14:modId xmlns:p14="http://schemas.microsoft.com/office/powerpoint/2010/main" val="1696006956"/>
               </p:ext>
             </p:extLst>
           </p:nvPr>
@@ -9000,7 +8355,7 @@
                       <a:pPr algn="ctr" latinLnBrk="1"/>
                       <a:r>
                         <a:rPr lang="en-US" altLang="ko-KR" dirty="0"/>
-                        <a:t>5 / 10</a:t>
+                        <a:t>5 / 20</a:t>
                       </a:r>
                       <a:endParaRPr lang="ko-KR" altLang="en-US" dirty="0"/>
                     </a:p>
@@ -9015,7 +8370,7 @@
                       <a:pPr algn="ctr" latinLnBrk="1"/>
                       <a:r>
                         <a:rPr lang="en-US" altLang="ko-KR" dirty="0"/>
-                        <a:t>10 / 20</a:t>
+                        <a:t>10 / 10</a:t>
                       </a:r>
                       <a:endParaRPr lang="ko-KR" altLang="en-US" dirty="0"/>
                     </a:p>

--- a/document/ProejectDT.pptx
+++ b/document/ProejectDT.pptx
@@ -11,6 +11,7 @@
     <p:sldId id="264" r:id="rId5"/>
     <p:sldId id="262" r:id="rId6"/>
     <p:sldId id="265" r:id="rId7"/>
+    <p:sldId id="266" r:id="rId8"/>
   </p:sldIdLst>
   <p:sldSz cx="12192000" cy="6858000"/>
   <p:notesSz cx="6858000" cy="9144000"/>
@@ -264,7 +265,7 @@
           <a:p>
             <a:fld id="{682C012E-4EBA-4799-9B2E-722E3D1B6301}" type="datetimeFigureOut">
               <a:rPr lang="ko-KR" altLang="en-US" smtClean="0"/>
-              <a:t>2025-03-07</a:t>
+              <a:t>2025-03-12</a:t>
             </a:fld>
             <a:endParaRPr lang="ko-KR" altLang="en-US"/>
           </a:p>
@@ -462,7 +463,7 @@
           <a:p>
             <a:fld id="{682C012E-4EBA-4799-9B2E-722E3D1B6301}" type="datetimeFigureOut">
               <a:rPr lang="ko-KR" altLang="en-US" smtClean="0"/>
-              <a:t>2025-03-07</a:t>
+              <a:t>2025-03-12</a:t>
             </a:fld>
             <a:endParaRPr lang="ko-KR" altLang="en-US"/>
           </a:p>
@@ -670,7 +671,7 @@
           <a:p>
             <a:fld id="{682C012E-4EBA-4799-9B2E-722E3D1B6301}" type="datetimeFigureOut">
               <a:rPr lang="ko-KR" altLang="en-US" smtClean="0"/>
-              <a:t>2025-03-07</a:t>
+              <a:t>2025-03-12</a:t>
             </a:fld>
             <a:endParaRPr lang="ko-KR" altLang="en-US"/>
           </a:p>
@@ -868,7 +869,7 @@
           <a:p>
             <a:fld id="{682C012E-4EBA-4799-9B2E-722E3D1B6301}" type="datetimeFigureOut">
               <a:rPr lang="ko-KR" altLang="en-US" smtClean="0"/>
-              <a:t>2025-03-07</a:t>
+              <a:t>2025-03-12</a:t>
             </a:fld>
             <a:endParaRPr lang="ko-KR" altLang="en-US"/>
           </a:p>
@@ -1143,7 +1144,7 @@
           <a:p>
             <a:fld id="{682C012E-4EBA-4799-9B2E-722E3D1B6301}" type="datetimeFigureOut">
               <a:rPr lang="ko-KR" altLang="en-US" smtClean="0"/>
-              <a:t>2025-03-07</a:t>
+              <a:t>2025-03-12</a:t>
             </a:fld>
             <a:endParaRPr lang="ko-KR" altLang="en-US"/>
           </a:p>
@@ -1408,7 +1409,7 @@
           <a:p>
             <a:fld id="{682C012E-4EBA-4799-9B2E-722E3D1B6301}" type="datetimeFigureOut">
               <a:rPr lang="ko-KR" altLang="en-US" smtClean="0"/>
-              <a:t>2025-03-07</a:t>
+              <a:t>2025-03-12</a:t>
             </a:fld>
             <a:endParaRPr lang="ko-KR" altLang="en-US"/>
           </a:p>
@@ -1820,7 +1821,7 @@
           <a:p>
             <a:fld id="{682C012E-4EBA-4799-9B2E-722E3D1B6301}" type="datetimeFigureOut">
               <a:rPr lang="ko-KR" altLang="en-US" smtClean="0"/>
-              <a:t>2025-03-07</a:t>
+              <a:t>2025-03-12</a:t>
             </a:fld>
             <a:endParaRPr lang="ko-KR" altLang="en-US"/>
           </a:p>
@@ -1961,7 +1962,7 @@
           <a:p>
             <a:fld id="{682C012E-4EBA-4799-9B2E-722E3D1B6301}" type="datetimeFigureOut">
               <a:rPr lang="ko-KR" altLang="en-US" smtClean="0"/>
-              <a:t>2025-03-07</a:t>
+              <a:t>2025-03-12</a:t>
             </a:fld>
             <a:endParaRPr lang="ko-KR" altLang="en-US"/>
           </a:p>
@@ -2074,7 +2075,7 @@
           <a:p>
             <a:fld id="{682C012E-4EBA-4799-9B2E-722E3D1B6301}" type="datetimeFigureOut">
               <a:rPr lang="ko-KR" altLang="en-US" smtClean="0"/>
-              <a:t>2025-03-07</a:t>
+              <a:t>2025-03-12</a:t>
             </a:fld>
             <a:endParaRPr lang="ko-KR" altLang="en-US"/>
           </a:p>
@@ -2385,7 +2386,7 @@
           <a:p>
             <a:fld id="{682C012E-4EBA-4799-9B2E-722E3D1B6301}" type="datetimeFigureOut">
               <a:rPr lang="ko-KR" altLang="en-US" smtClean="0"/>
-              <a:t>2025-03-07</a:t>
+              <a:t>2025-03-12</a:t>
             </a:fld>
             <a:endParaRPr lang="ko-KR" altLang="en-US"/>
           </a:p>
@@ -2673,7 +2674,7 @@
           <a:p>
             <a:fld id="{682C012E-4EBA-4799-9B2E-722E3D1B6301}" type="datetimeFigureOut">
               <a:rPr lang="ko-KR" altLang="en-US" smtClean="0"/>
-              <a:t>2025-03-07</a:t>
+              <a:t>2025-03-12</a:t>
             </a:fld>
             <a:endParaRPr lang="ko-KR" altLang="en-US"/>
           </a:p>
@@ -2914,7 +2915,7 @@
           <a:p>
             <a:fld id="{682C012E-4EBA-4799-9B2E-722E3D1B6301}" type="datetimeFigureOut">
               <a:rPr lang="ko-KR" altLang="en-US" smtClean="0"/>
-              <a:t>2025-03-07</a:t>
+              <a:t>2025-03-12</a:t>
             </a:fld>
             <a:endParaRPr lang="ko-KR" altLang="en-US"/>
           </a:p>
@@ -9430,7 +9431,7 @@
           <p:nvPr>
             <p:extLst>
               <p:ext uri="{D42A27DB-BD31-4B8C-83A1-F6EECF244321}">
-                <p14:modId xmlns:p14="http://schemas.microsoft.com/office/powerpoint/2010/main" val="4200657570"/>
+                <p14:modId xmlns:p14="http://schemas.microsoft.com/office/powerpoint/2010/main" val="3747464523"/>
               </p:ext>
             </p:extLst>
           </p:nvPr>
@@ -15125,14 +15126,14 @@
           <p:nvPr>
             <p:extLst>
               <p:ext uri="{D42A27DB-BD31-4B8C-83A1-F6EECF244321}">
-                <p14:modId xmlns:p14="http://schemas.microsoft.com/office/powerpoint/2010/main" val="3884249793"/>
+                <p14:modId xmlns:p14="http://schemas.microsoft.com/office/powerpoint/2010/main" val="3840098237"/>
               </p:ext>
             </p:extLst>
           </p:nvPr>
         </p:nvGraphicFramePr>
         <p:xfrm>
-          <a:off x="593986" y="2286407"/>
-          <a:ext cx="6141662" cy="2147473"/>
+          <a:off x="593986" y="1054978"/>
+          <a:ext cx="6141661" cy="2269393"/>
         </p:xfrm>
         <a:graphic>
           <a:graphicData uri="http://schemas.openxmlformats.org/drawingml/2006/table">
@@ -15141,35 +15142,42 @@
                 <a:tableStyleId>{5C22544A-7EE6-4342-B048-85BDC9FD1C3A}</a:tableStyleId>
               </a:tblPr>
               <a:tblGrid>
-                <a:gridCol w="770502">
+                <a:gridCol w="632266">
                   <a:extLst>
                     <a:ext uri="{9D8B030D-6E8A-4147-A177-3AD203B41FA5}">
                       <a16:colId xmlns:a16="http://schemas.microsoft.com/office/drawing/2014/main" val="2094208962"/>
                     </a:ext>
                   </a:extLst>
                 </a:gridCol>
-                <a:gridCol w="1342790">
+                <a:gridCol w="1101879">
                   <a:extLst>
                     <a:ext uri="{9D8B030D-6E8A-4147-A177-3AD203B41FA5}">
                       <a16:colId xmlns:a16="http://schemas.microsoft.com/office/drawing/2014/main" val="2752306251"/>
                     </a:ext>
                   </a:extLst>
                 </a:gridCol>
-                <a:gridCol w="1342790">
+                <a:gridCol w="1101879">
                   <a:extLst>
                     <a:ext uri="{9D8B030D-6E8A-4147-A177-3AD203B41FA5}">
                       <a16:colId xmlns:a16="http://schemas.microsoft.com/office/drawing/2014/main" val="596121574"/>
                     </a:ext>
                   </a:extLst>
                 </a:gridCol>
-                <a:gridCol w="1342790">
+                <a:gridCol w="1101879">
+                  <a:extLst>
+                    <a:ext uri="{9D8B030D-6E8A-4147-A177-3AD203B41FA5}">
+                      <a16:colId xmlns:a16="http://schemas.microsoft.com/office/drawing/2014/main" val="3885750333"/>
+                    </a:ext>
+                  </a:extLst>
+                </a:gridCol>
+                <a:gridCol w="1101879">
                   <a:extLst>
                     <a:ext uri="{9D8B030D-6E8A-4147-A177-3AD203B41FA5}">
                       <a16:colId xmlns:a16="http://schemas.microsoft.com/office/drawing/2014/main" val="1037817449"/>
                     </a:ext>
                   </a:extLst>
                 </a:gridCol>
-                <a:gridCol w="1342790">
+                <a:gridCol w="1101879">
                   <a:extLst>
                     <a:ext uri="{9D8B030D-6E8A-4147-A177-3AD203B41FA5}">
                       <a16:colId xmlns:a16="http://schemas.microsoft.com/office/drawing/2014/main" val="2184342446"/>
@@ -15178,7 +15186,7 @@
                 </a:gridCol>
               </a:tblGrid>
               <a:tr h="305973">
-                <a:tc gridSpan="5">
+                <a:tc gridSpan="6">
                   <a:txBody>
                     <a:bodyPr/>
                     <a:lstStyle/>
@@ -15342,6 +15350,17 @@
                     </a:p>
                   </a:txBody>
                   <a:tcPr marL="7620" marR="7620" marT="7620" marB="0" anchor="ctr"/>
+                </a:tc>
+                <a:tc hMerge="1">
+                  <a:txBody>
+                    <a:bodyPr/>
+                    <a:lstStyle/>
+                    <a:p>
+                      <a:pPr latinLnBrk="1"/>
+                      <a:endParaRPr lang="ko-KR" altLang="en-US"/>
+                    </a:p>
+                  </a:txBody>
+                  <a:tcPr/>
                 </a:tc>
                 <a:tc hMerge="1">
                   <a:txBody>
@@ -15516,6 +15535,67 @@
                     <a:p>
                       <a:pPr algn="ctr" fontAlgn="ctr"/>
                       <a:r>
+                        <a:rPr lang="ko-KR" altLang="en-US" sz="1100" b="0" i="0" u="none" strike="noStrike" dirty="0">
+                          <a:solidFill>
+                            <a:srgbClr val="000000"/>
+                          </a:solidFill>
+                          <a:effectLst/>
+                          <a:latin typeface="배달의민족 한나체 Pro" panose="020B0600000101010101" pitchFamily="50" charset="-127"/>
+                          <a:ea typeface="배달의민족 한나체 Pro" panose="020B0600000101010101" pitchFamily="50" charset="-127"/>
+                        </a:rPr>
+                        <a:t>레시피 이름</a:t>
+                      </a:r>
+                    </a:p>
+                  </a:txBody>
+                  <a:tcPr marL="7620" marR="7620" marT="7620" marB="0" anchor="ctr">
+                    <a:lnL w="12700" cap="flat" cmpd="sng" algn="ctr">
+                      <a:solidFill>
+                        <a:schemeClr val="tx1"/>
+                      </a:solidFill>
+                      <a:prstDash val="solid"/>
+                      <a:round/>
+                      <a:headEnd type="none" w="med" len="med"/>
+                      <a:tailEnd type="none" w="med" len="med"/>
+                    </a:lnL>
+                    <a:lnR w="12700" cap="flat" cmpd="sng" algn="ctr">
+                      <a:solidFill>
+                        <a:schemeClr val="tx1"/>
+                      </a:solidFill>
+                      <a:prstDash val="solid"/>
+                      <a:round/>
+                      <a:headEnd type="none" w="med" len="med"/>
+                      <a:tailEnd type="none" w="med" len="med"/>
+                    </a:lnR>
+                    <a:lnT w="12700" cap="flat" cmpd="sng" algn="ctr">
+                      <a:solidFill>
+                        <a:schemeClr val="tx1"/>
+                      </a:solidFill>
+                      <a:prstDash val="solid"/>
+                      <a:round/>
+                      <a:headEnd type="none" w="med" len="med"/>
+                      <a:tailEnd type="none" w="med" len="med"/>
+                    </a:lnT>
+                    <a:lnB w="12700" cap="flat" cmpd="sng" algn="ctr">
+                      <a:solidFill>
+                        <a:schemeClr val="tx1"/>
+                      </a:solidFill>
+                      <a:prstDash val="solid"/>
+                      <a:round/>
+                      <a:headEnd type="none" w="med" len="med"/>
+                      <a:tailEnd type="none" w="med" len="med"/>
+                    </a:lnB>
+                    <a:solidFill>
+                      <a:srgbClr val="FFFF00"/>
+                    </a:solidFill>
+                  </a:tcPr>
+                </a:tc>
+                <a:tc>
+                  <a:txBody>
+                    <a:bodyPr/>
+                    <a:lstStyle/>
+                    <a:p>
+                      <a:pPr algn="ctr" fontAlgn="ctr"/>
+                      <a:r>
                         <a:rPr lang="ko-KR" altLang="en-US" sz="1100" b="0" i="0" u="none" strike="noStrike" dirty="0" err="1">
                           <a:solidFill>
                             <a:srgbClr val="000000"/>
@@ -15524,19 +15604,16 @@
                           <a:latin typeface="배달의민족 한나체 Pro" panose="020B0600000101010101" pitchFamily="50" charset="-127"/>
                           <a:ea typeface="배달의민족 한나체 Pro" panose="020B0600000101010101" pitchFamily="50" charset="-127"/>
                         </a:rPr>
-                        <a:t>포션</a:t>
-                      </a:r>
-                      <a:r>
-                        <a:rPr lang="ko-KR" altLang="en-US" sz="1100" b="0" i="0" u="none" strike="noStrike" dirty="0">
-                          <a:solidFill>
-                            <a:srgbClr val="000000"/>
-                          </a:solidFill>
-                          <a:effectLst/>
-                          <a:latin typeface="배달의민족 한나체 Pro" panose="020B0600000101010101" pitchFamily="50" charset="-127"/>
-                          <a:ea typeface="배달의민족 한나체 Pro" panose="020B0600000101010101" pitchFamily="50" charset="-127"/>
-                        </a:rPr>
-                        <a:t> 이름</a:t>
-                      </a:r>
+                        <a:t>레시피등급</a:t>
+                      </a:r>
+                      <a:endParaRPr lang="ko-KR" altLang="en-US" sz="1100" b="0" i="0" u="none" strike="noStrike" dirty="0">
+                        <a:solidFill>
+                          <a:srgbClr val="000000"/>
+                        </a:solidFill>
+                        <a:effectLst/>
+                        <a:latin typeface="배달의민족 한나체 Pro" panose="020B0600000101010101" pitchFamily="50" charset="-127"/>
+                        <a:ea typeface="배달의민족 한나체 Pro" panose="020B0600000101010101" pitchFamily="50" charset="-127"/>
+                      </a:endParaRPr>
                     </a:p>
                   </a:txBody>
                   <a:tcPr marL="7620" marR="7620" marT="7620" marB="0" anchor="ctr">
@@ -15937,6 +16014,64 @@
                     <a:p>
                       <a:pPr algn="l" fontAlgn="ctr"/>
                       <a:r>
+                        <a:rPr lang="en-US" sz="1100" b="0" i="0" u="none" strike="noStrike" dirty="0">
+                          <a:solidFill>
+                            <a:srgbClr val="000000"/>
+                          </a:solidFill>
+                          <a:effectLst/>
+                          <a:latin typeface="배달의민족 한나체 Air" panose="020B0600000101010101" pitchFamily="50" charset="-127"/>
+                          <a:ea typeface="배달의민족 한나체 Air" panose="020B0600000101010101" pitchFamily="50" charset="-127"/>
+                        </a:rPr>
+                        <a:t>Enum</a:t>
+                      </a:r>
+                    </a:p>
+                  </a:txBody>
+                  <a:tcPr marL="36000" marR="7620" marT="7620" marB="0" anchor="ctr">
+                    <a:lnL w="12700" cap="flat" cmpd="sng" algn="ctr">
+                      <a:solidFill>
+                        <a:schemeClr val="tx1"/>
+                      </a:solidFill>
+                      <a:prstDash val="solid"/>
+                      <a:round/>
+                      <a:headEnd type="none" w="med" len="med"/>
+                      <a:tailEnd type="none" w="med" len="med"/>
+                    </a:lnL>
+                    <a:lnR w="12700" cap="flat" cmpd="sng" algn="ctr">
+                      <a:solidFill>
+                        <a:schemeClr val="tx1"/>
+                      </a:solidFill>
+                      <a:prstDash val="solid"/>
+                      <a:round/>
+                      <a:headEnd type="none" w="med" len="med"/>
+                      <a:tailEnd type="none" w="med" len="med"/>
+                    </a:lnR>
+                    <a:lnT w="12700" cap="flat" cmpd="sng" algn="ctr">
+                      <a:solidFill>
+                        <a:schemeClr val="tx1"/>
+                      </a:solidFill>
+                      <a:prstDash val="solid"/>
+                      <a:round/>
+                      <a:headEnd type="none" w="med" len="med"/>
+                      <a:tailEnd type="none" w="med" len="med"/>
+                    </a:lnT>
+                    <a:lnB w="12700" cap="flat" cmpd="sng" algn="ctr">
+                      <a:solidFill>
+                        <a:schemeClr val="tx1"/>
+                      </a:solidFill>
+                      <a:prstDash val="solid"/>
+                      <a:round/>
+                      <a:headEnd type="none" w="med" len="med"/>
+                      <a:tailEnd type="none" w="med" len="med"/>
+                    </a:lnB>
+                  </a:tcPr>
+                </a:tc>
+                <a:tc>
+                  <a:txBody>
+                    <a:bodyPr/>
+                    <a:lstStyle/>
+                    <a:p>
+                      <a:pPr algn="l" fontAlgn="ctr"/>
+                      <a:r>
                         <a:rPr lang="en-US" altLang="ko-KR" sz="1100" b="0" i="0" u="none" strike="noStrike" dirty="0">
                           <a:solidFill>
                             <a:srgbClr val="000000"/>
@@ -16327,6 +16462,215 @@
                     <a:p>
                       <a:pPr algn="l" fontAlgn="ctr"/>
                       <a:r>
+                        <a:rPr lang="en-US" altLang="ko-KR" sz="1100" b="0" i="0" u="none" strike="noStrike" dirty="0">
+                          <a:solidFill>
+                            <a:srgbClr val="000000"/>
+                          </a:solidFill>
+                          <a:effectLst/>
+                          <a:latin typeface="배달의민족 한나체 Air" panose="020B0600000101010101" pitchFamily="50" charset="-127"/>
+                          <a:ea typeface="배달의민족 한나체 Air" panose="020B0600000101010101" pitchFamily="50" charset="-127"/>
+                        </a:rPr>
+                        <a:t>0:</a:t>
+                      </a:r>
+                      <a:r>
+                        <a:rPr lang="ko-KR" altLang="en-US" sz="1100" b="0" i="0" u="none" strike="noStrike" dirty="0">
+                          <a:solidFill>
+                            <a:srgbClr val="000000"/>
+                          </a:solidFill>
+                          <a:effectLst/>
+                          <a:latin typeface="배달의민족 한나체 Air" panose="020B0600000101010101" pitchFamily="50" charset="-127"/>
+                          <a:ea typeface="배달의민족 한나체 Air" panose="020B0600000101010101" pitchFamily="50" charset="-127"/>
+                        </a:rPr>
+                        <a:t>일반</a:t>
+                      </a:r>
+                      <a:endParaRPr lang="en-US" altLang="ko-KR" sz="1100" b="0" i="0" u="none" strike="noStrike" dirty="0">
+                        <a:solidFill>
+                          <a:srgbClr val="000000"/>
+                        </a:solidFill>
+                        <a:effectLst/>
+                        <a:latin typeface="배달의민족 한나체 Air" panose="020B0600000101010101" pitchFamily="50" charset="-127"/>
+                        <a:ea typeface="배달의민족 한나체 Air" panose="020B0600000101010101" pitchFamily="50" charset="-127"/>
+                      </a:endParaRPr>
+                    </a:p>
+                    <a:p>
+                      <a:pPr algn="l" fontAlgn="ctr"/>
+                      <a:r>
+                        <a:rPr lang="en-US" altLang="ko-KR" sz="1100" b="0" i="0" u="none" strike="noStrike" dirty="0">
+                          <a:solidFill>
+                            <a:srgbClr val="000000"/>
+                          </a:solidFill>
+                          <a:effectLst/>
+                          <a:latin typeface="배달의민족 한나체 Air" panose="020B0600000101010101" pitchFamily="50" charset="-127"/>
+                          <a:ea typeface="배달의민족 한나체 Air" panose="020B0600000101010101" pitchFamily="50" charset="-127"/>
+                        </a:rPr>
+                        <a:t>1:</a:t>
+                      </a:r>
+                      <a:r>
+                        <a:rPr lang="ko-KR" altLang="en-US" sz="1100" b="0" i="0" u="none" strike="noStrike" dirty="0">
+                          <a:solidFill>
+                            <a:srgbClr val="000000"/>
+                          </a:solidFill>
+                          <a:effectLst/>
+                          <a:latin typeface="배달의민족 한나체 Air" panose="020B0600000101010101" pitchFamily="50" charset="-127"/>
+                          <a:ea typeface="배달의민족 한나체 Air" panose="020B0600000101010101" pitchFamily="50" charset="-127"/>
+                        </a:rPr>
+                        <a:t>흔한</a:t>
+                      </a:r>
+                      <a:endParaRPr lang="en-US" altLang="ko-KR" sz="1100" b="0" i="0" u="none" strike="noStrike" dirty="0">
+                        <a:solidFill>
+                          <a:srgbClr val="000000"/>
+                        </a:solidFill>
+                        <a:effectLst/>
+                        <a:latin typeface="배달의민족 한나체 Air" panose="020B0600000101010101" pitchFamily="50" charset="-127"/>
+                        <a:ea typeface="배달의민족 한나체 Air" panose="020B0600000101010101" pitchFamily="50" charset="-127"/>
+                      </a:endParaRPr>
+                    </a:p>
+                    <a:p>
+                      <a:pPr algn="l" fontAlgn="ctr"/>
+                      <a:r>
+                        <a:rPr lang="en-US" altLang="ko-KR" sz="1100" b="0" i="0" u="none" strike="noStrike" dirty="0">
+                          <a:solidFill>
+                            <a:srgbClr val="000000"/>
+                          </a:solidFill>
+                          <a:effectLst/>
+                          <a:latin typeface="배달의민족 한나체 Air" panose="020B0600000101010101" pitchFamily="50" charset="-127"/>
+                          <a:ea typeface="배달의민족 한나체 Air" panose="020B0600000101010101" pitchFamily="50" charset="-127"/>
+                        </a:rPr>
+                        <a:t>2:</a:t>
+                      </a:r>
+                      <a:r>
+                        <a:rPr lang="ko-KR" altLang="en-US" sz="1100" b="0" i="0" u="none" strike="noStrike" dirty="0">
+                          <a:solidFill>
+                            <a:srgbClr val="000000"/>
+                          </a:solidFill>
+                          <a:effectLst/>
+                          <a:latin typeface="배달의민족 한나체 Air" panose="020B0600000101010101" pitchFamily="50" charset="-127"/>
+                          <a:ea typeface="배달의민족 한나체 Air" panose="020B0600000101010101" pitchFamily="50" charset="-127"/>
+                        </a:rPr>
+                        <a:t>희귀</a:t>
+                      </a:r>
+                      <a:endParaRPr lang="en-US" altLang="ko-KR" sz="1100" b="0" i="0" u="none" strike="noStrike" dirty="0">
+                        <a:solidFill>
+                          <a:srgbClr val="000000"/>
+                        </a:solidFill>
+                        <a:effectLst/>
+                        <a:latin typeface="배달의민족 한나체 Air" panose="020B0600000101010101" pitchFamily="50" charset="-127"/>
+                        <a:ea typeface="배달의민족 한나체 Air" panose="020B0600000101010101" pitchFamily="50" charset="-127"/>
+                      </a:endParaRPr>
+                    </a:p>
+                    <a:p>
+                      <a:pPr algn="l" fontAlgn="ctr"/>
+                      <a:r>
+                        <a:rPr lang="en-US" altLang="ko-KR" sz="1100" b="0" i="0" u="none" strike="noStrike" dirty="0">
+                          <a:solidFill>
+                            <a:srgbClr val="000000"/>
+                          </a:solidFill>
+                          <a:effectLst/>
+                          <a:latin typeface="배달의민족 한나체 Air" panose="020B0600000101010101" pitchFamily="50" charset="-127"/>
+                          <a:ea typeface="배달의민족 한나체 Air" panose="020B0600000101010101" pitchFamily="50" charset="-127"/>
+                        </a:rPr>
+                        <a:t>3:</a:t>
+                      </a:r>
+                      <a:r>
+                        <a:rPr lang="ko-KR" altLang="en-US" sz="1100" b="0" i="0" u="none" strike="noStrike" dirty="0">
+                          <a:solidFill>
+                            <a:srgbClr val="000000"/>
+                          </a:solidFill>
+                          <a:effectLst/>
+                          <a:latin typeface="배달의민족 한나체 Air" panose="020B0600000101010101" pitchFamily="50" charset="-127"/>
+                          <a:ea typeface="배달의민족 한나체 Air" panose="020B0600000101010101" pitchFamily="50" charset="-127"/>
+                        </a:rPr>
+                        <a:t>고급</a:t>
+                      </a:r>
+                      <a:endParaRPr lang="en-US" altLang="ko-KR" sz="1100" b="0" i="0" u="none" strike="noStrike" dirty="0">
+                        <a:solidFill>
+                          <a:srgbClr val="000000"/>
+                        </a:solidFill>
+                        <a:effectLst/>
+                        <a:latin typeface="배달의민족 한나체 Air" panose="020B0600000101010101" pitchFamily="50" charset="-127"/>
+                        <a:ea typeface="배달의민족 한나체 Air" panose="020B0600000101010101" pitchFamily="50" charset="-127"/>
+                      </a:endParaRPr>
+                    </a:p>
+                    <a:p>
+                      <a:pPr algn="l" fontAlgn="ctr"/>
+                      <a:r>
+                        <a:rPr lang="en-US" altLang="ko-KR" sz="1100" b="0" i="0" u="none" strike="noStrike" dirty="0">
+                          <a:solidFill>
+                            <a:srgbClr val="000000"/>
+                          </a:solidFill>
+                          <a:effectLst/>
+                          <a:latin typeface="배달의민족 한나체 Air" panose="020B0600000101010101" pitchFamily="50" charset="-127"/>
+                          <a:ea typeface="배달의민족 한나체 Air" panose="020B0600000101010101" pitchFamily="50" charset="-127"/>
+                        </a:rPr>
+                        <a:t>4:</a:t>
+                      </a:r>
+                      <a:r>
+                        <a:rPr lang="ko-KR" altLang="en-US" sz="1100" b="0" i="0" u="none" strike="noStrike" dirty="0">
+                          <a:solidFill>
+                            <a:srgbClr val="000000"/>
+                          </a:solidFill>
+                          <a:effectLst/>
+                          <a:latin typeface="배달의민족 한나체 Air" panose="020B0600000101010101" pitchFamily="50" charset="-127"/>
+                          <a:ea typeface="배달의민족 한나체 Air" panose="020B0600000101010101" pitchFamily="50" charset="-127"/>
+                        </a:rPr>
+                        <a:t>전설</a:t>
+                      </a:r>
+                      <a:endParaRPr lang="en-US" altLang="ko-KR" sz="1100" b="0" i="0" u="none" strike="noStrike" dirty="0">
+                        <a:solidFill>
+                          <a:srgbClr val="000000"/>
+                        </a:solidFill>
+                        <a:effectLst/>
+                        <a:latin typeface="배달의민족 한나체 Air" panose="020B0600000101010101" pitchFamily="50" charset="-127"/>
+                        <a:ea typeface="배달의민족 한나체 Air" panose="020B0600000101010101" pitchFamily="50" charset="-127"/>
+                      </a:endParaRPr>
+                    </a:p>
+                  </a:txBody>
+                  <a:tcPr marL="36000" marR="7620" marT="7620" marB="0" anchor="ctr">
+                    <a:lnL w="12700" cap="flat" cmpd="sng" algn="ctr">
+                      <a:solidFill>
+                        <a:schemeClr val="tx1"/>
+                      </a:solidFill>
+                      <a:prstDash val="solid"/>
+                      <a:round/>
+                      <a:headEnd type="none" w="med" len="med"/>
+                      <a:tailEnd type="none" w="med" len="med"/>
+                    </a:lnL>
+                    <a:lnR w="12700" cap="flat" cmpd="sng" algn="ctr">
+                      <a:solidFill>
+                        <a:schemeClr val="tx1"/>
+                      </a:solidFill>
+                      <a:prstDash val="solid"/>
+                      <a:round/>
+                      <a:headEnd type="none" w="med" len="med"/>
+                      <a:tailEnd type="none" w="med" len="med"/>
+                    </a:lnR>
+                    <a:lnT w="12700" cap="flat" cmpd="sng" algn="ctr">
+                      <a:solidFill>
+                        <a:schemeClr val="tx1"/>
+                      </a:solidFill>
+                      <a:prstDash val="solid"/>
+                      <a:round/>
+                      <a:headEnd type="none" w="med" len="med"/>
+                      <a:tailEnd type="none" w="med" len="med"/>
+                    </a:lnT>
+                    <a:lnB w="12700" cap="flat" cmpd="sng" algn="ctr">
+                      <a:solidFill>
+                        <a:schemeClr val="tx1"/>
+                      </a:solidFill>
+                      <a:prstDash val="solid"/>
+                      <a:round/>
+                      <a:headEnd type="none" w="med" len="med"/>
+                      <a:tailEnd type="none" w="med" len="med"/>
+                    </a:lnB>
+                  </a:tcPr>
+                </a:tc>
+                <a:tc>
+                  <a:txBody>
+                    <a:bodyPr/>
+                    <a:lstStyle/>
+                    <a:p>
+                      <a:pPr algn="l" fontAlgn="ctr"/>
+                      <a:r>
                         <a:rPr lang="ko-KR" altLang="en-US" sz="1100" b="0" i="0" u="none" strike="noStrike" dirty="0">
                           <a:solidFill>
                             <a:srgbClr val="000000"/>
@@ -16698,6 +17042,72 @@
                           <a:ea typeface="배달의민족 한나체 Air" panose="020B0600000101010101" pitchFamily="50" charset="-127"/>
                         </a:rPr>
                         <a:t>RecipeName</a:t>
+                      </a:r>
+                      <a:endParaRPr lang="en-US" sz="1100" b="0" i="0" u="none" strike="noStrike" dirty="0">
+                        <a:solidFill>
+                          <a:srgbClr val="000000"/>
+                        </a:solidFill>
+                        <a:effectLst/>
+                        <a:latin typeface="배달의민족 한나체 Air" panose="020B0600000101010101" pitchFamily="50" charset="-127"/>
+                        <a:ea typeface="배달의민족 한나체 Air" panose="020B0600000101010101" pitchFamily="50" charset="-127"/>
+                      </a:endParaRPr>
+                    </a:p>
+                  </a:txBody>
+                  <a:tcPr marL="36000" marR="7620" marT="7620" marB="0" anchor="ctr">
+                    <a:lnL w="12700" cap="flat" cmpd="sng" algn="ctr">
+                      <a:solidFill>
+                        <a:schemeClr val="tx1"/>
+                      </a:solidFill>
+                      <a:prstDash val="solid"/>
+                      <a:round/>
+                      <a:headEnd type="none" w="med" len="med"/>
+                      <a:tailEnd type="none" w="med" len="med"/>
+                    </a:lnL>
+                    <a:lnR w="12700" cap="flat" cmpd="sng" algn="ctr">
+                      <a:solidFill>
+                        <a:schemeClr val="tx1"/>
+                      </a:solidFill>
+                      <a:prstDash val="solid"/>
+                      <a:round/>
+                      <a:headEnd type="none" w="med" len="med"/>
+                      <a:tailEnd type="none" w="med" len="med"/>
+                    </a:lnR>
+                    <a:lnT w="12700" cap="flat" cmpd="sng" algn="ctr">
+                      <a:solidFill>
+                        <a:schemeClr val="tx1"/>
+                      </a:solidFill>
+                      <a:prstDash val="solid"/>
+                      <a:round/>
+                      <a:headEnd type="none" w="med" len="med"/>
+                      <a:tailEnd type="none" w="med" len="med"/>
+                    </a:lnT>
+                    <a:lnB w="12700" cap="flat" cmpd="sng" algn="ctr">
+                      <a:solidFill>
+                        <a:schemeClr val="tx1"/>
+                      </a:solidFill>
+                      <a:prstDash val="solid"/>
+                      <a:round/>
+                      <a:headEnd type="none" w="med" len="med"/>
+                      <a:tailEnd type="none" w="med" len="med"/>
+                    </a:lnB>
+                  </a:tcPr>
+                </a:tc>
+                <a:tc>
+                  <a:txBody>
+                    <a:bodyPr/>
+                    <a:lstStyle/>
+                    <a:p>
+                      <a:pPr algn="l" fontAlgn="ctr"/>
+                      <a:r>
+                        <a:rPr lang="en-US" sz="1100" b="0" i="0" u="none" strike="noStrike" dirty="0" err="1">
+                          <a:solidFill>
+                            <a:srgbClr val="000000"/>
+                          </a:solidFill>
+                          <a:effectLst/>
+                          <a:latin typeface="배달의민족 한나체 Air" panose="020B0600000101010101" pitchFamily="50" charset="-127"/>
+                          <a:ea typeface="배달의민족 한나체 Air" panose="020B0600000101010101" pitchFamily="50" charset="-127"/>
+                        </a:rPr>
+                        <a:t>RecipeGrade</a:t>
                       </a:r>
                       <a:endParaRPr lang="en-US" sz="1100" b="0" i="0" u="none" strike="noStrike" dirty="0">
                         <a:solidFill>
@@ -16908,13 +17318,13 @@
           <p:nvPr>
             <p:extLst>
               <p:ext uri="{D42A27DB-BD31-4B8C-83A1-F6EECF244321}">
-                <p14:modId xmlns:p14="http://schemas.microsoft.com/office/powerpoint/2010/main" val="3626426309"/>
+                <p14:modId xmlns:p14="http://schemas.microsoft.com/office/powerpoint/2010/main" val="543247245"/>
               </p:ext>
             </p:extLst>
           </p:nvPr>
         </p:nvGraphicFramePr>
         <p:xfrm>
-          <a:off x="7034531" y="2276035"/>
+          <a:off x="593986" y="3940096"/>
           <a:ext cx="4521363" cy="1852833"/>
         </p:xfrm>
         <a:graphic>
@@ -18194,7 +18604,7 @@
                     <a:p>
                       <a:pPr algn="l" fontAlgn="ctr"/>
                       <a:r>
-                        <a:rPr lang="en-US" sz="1100" b="0" i="0" u="none" strike="noStrike">
+                        <a:rPr lang="en-US" sz="1100" b="0" i="0" u="none" strike="noStrike" dirty="0" err="1">
                           <a:solidFill>
                             <a:srgbClr val="000000"/>
                           </a:solidFill>
@@ -18267,6 +18677,2687 @@
     <p:extLst>
       <p:ext uri="{BB962C8B-B14F-4D97-AF65-F5344CB8AC3E}">
         <p14:creationId xmlns:p14="http://schemas.microsoft.com/office/powerpoint/2010/main" val="1376799829"/>
+      </p:ext>
+    </p:extLst>
+  </p:cSld>
+  <p:clrMapOvr>
+    <a:masterClrMapping/>
+  </p:clrMapOvr>
+</p:sld>
+</file>
+
+<file path=ppt/slides/slide7.xml><?xml version="1.0" encoding="utf-8"?>
+<p:sld xmlns:a="http://schemas.openxmlformats.org/drawingml/2006/main" xmlns:r="http://schemas.openxmlformats.org/officeDocument/2006/relationships" xmlns:p="http://schemas.openxmlformats.org/presentationml/2006/main">
+  <p:cSld>
+    <p:spTree>
+      <p:nvGrpSpPr>
+        <p:cNvPr id="1" name="">
+          <a:extLst>
+            <a:ext uri="{FF2B5EF4-FFF2-40B4-BE49-F238E27FC236}">
+              <a16:creationId xmlns:a16="http://schemas.microsoft.com/office/drawing/2014/main" id="{AD6673AF-0864-D38F-5EDB-5502F722AB70}"/>
+            </a:ext>
+          </a:extLst>
+        </p:cNvPr>
+        <p:cNvGrpSpPr/>
+        <p:nvPr/>
+      </p:nvGrpSpPr>
+      <p:grpSpPr>
+        <a:xfrm>
+          <a:off x="0" y="0"/>
+          <a:ext cx="0" cy="0"/>
+          <a:chOff x="0" y="0"/>
+          <a:chExt cx="0" cy="0"/>
+        </a:xfrm>
+      </p:grpSpPr>
+      <p:sp>
+        <p:nvSpPr>
+          <p:cNvPr id="4" name="직사각형 3">
+            <a:extLst>
+              <a:ext uri="{FF2B5EF4-FFF2-40B4-BE49-F238E27FC236}">
+                <a16:creationId xmlns:a16="http://schemas.microsoft.com/office/drawing/2014/main" id="{A306C9D9-9C31-23C2-5F53-4BB9BE388254}"/>
+              </a:ext>
+            </a:extLst>
+          </p:cNvPr>
+          <p:cNvSpPr/>
+          <p:nvPr/>
+        </p:nvSpPr>
+        <p:spPr>
+          <a:xfrm>
+            <a:off x="336274" y="317333"/>
+            <a:ext cx="11736456" cy="6372395"/>
+          </a:xfrm>
+          <a:prstGeom prst="rect">
+            <a:avLst/>
+          </a:prstGeom>
+          <a:solidFill>
+            <a:schemeClr val="bg1"/>
+          </a:solidFill>
+          <a:ln w="57150">
+            <a:solidFill>
+              <a:schemeClr val="tx1"/>
+            </a:solidFill>
+          </a:ln>
+        </p:spPr>
+        <p:style>
+          <a:lnRef idx="2">
+            <a:schemeClr val="accent1">
+              <a:shade val="15000"/>
+            </a:schemeClr>
+          </a:lnRef>
+          <a:fillRef idx="1">
+            <a:schemeClr val="accent1"/>
+          </a:fillRef>
+          <a:effectRef idx="0">
+            <a:schemeClr val="accent1"/>
+          </a:effectRef>
+          <a:fontRef idx="minor">
+            <a:schemeClr val="lt1"/>
+          </a:fontRef>
+        </p:style>
+        <p:txBody>
+          <a:bodyPr rtlCol="0" anchor="ctr"/>
+          <a:lstStyle/>
+          <a:p>
+            <a:pPr algn="ctr"/>
+            <a:endParaRPr lang="ko-KR" altLang="en-US" sz="1400" dirty="0"/>
+          </a:p>
+        </p:txBody>
+      </p:sp>
+      <p:sp>
+        <p:nvSpPr>
+          <p:cNvPr id="5" name="TextBox 4">
+            <a:extLst>
+              <a:ext uri="{FF2B5EF4-FFF2-40B4-BE49-F238E27FC236}">
+                <a16:creationId xmlns:a16="http://schemas.microsoft.com/office/drawing/2014/main" id="{BAD04EA5-BB37-DFA9-8AB6-D5A56E2AEE8F}"/>
+              </a:ext>
+            </a:extLst>
+          </p:cNvPr>
+          <p:cNvSpPr txBox="1"/>
+          <p:nvPr/>
+        </p:nvSpPr>
+        <p:spPr>
+          <a:xfrm>
+            <a:off x="593986" y="88760"/>
+            <a:ext cx="2505814" cy="461665"/>
+          </a:xfrm>
+          <a:prstGeom prst="rect">
+            <a:avLst/>
+          </a:prstGeom>
+          <a:solidFill>
+            <a:schemeClr val="bg1"/>
+          </a:solidFill>
+          <a:ln w="38100">
+            <a:solidFill>
+              <a:schemeClr val="tx1"/>
+            </a:solidFill>
+          </a:ln>
+        </p:spPr>
+        <p:txBody>
+          <a:bodyPr wrap="none" rtlCol="0">
+            <a:spAutoFit/>
+          </a:bodyPr>
+          <a:lstStyle/>
+          <a:p>
+            <a:r>
+              <a:rPr lang="ko-KR" altLang="en-US" sz="2400" dirty="0">
+                <a:latin typeface="배달의민족 한나체 Pro" panose="020B0600000101010101" pitchFamily="50" charset="-127"/>
+                <a:ea typeface="배달의민족 한나체 Pro" panose="020B0600000101010101" pitchFamily="50" charset="-127"/>
+              </a:rPr>
+              <a:t>버프 </a:t>
+            </a:r>
+            <a:r>
+              <a:rPr lang="en-US" altLang="ko-KR" sz="2400" dirty="0">
+                <a:latin typeface="배달의민족 한나체 Pro" panose="020B0600000101010101" pitchFamily="50" charset="-127"/>
+                <a:ea typeface="배달의민족 한나체 Pro" panose="020B0600000101010101" pitchFamily="50" charset="-127"/>
+              </a:rPr>
+              <a:t>DT </a:t>
+            </a:r>
+            <a:r>
+              <a:rPr lang="ko-KR" altLang="en-US" sz="2400" dirty="0">
+                <a:latin typeface="배달의민족 한나체 Pro" panose="020B0600000101010101" pitchFamily="50" charset="-127"/>
+                <a:ea typeface="배달의민족 한나체 Pro" panose="020B0600000101010101" pitchFamily="50" charset="-127"/>
+              </a:rPr>
+              <a:t>상세 설명</a:t>
+            </a:r>
+            <a:endParaRPr lang="en-US" altLang="ko-KR" sz="2400" dirty="0">
+              <a:latin typeface="배달의민족 한나체 Pro" panose="020B0600000101010101" pitchFamily="50" charset="-127"/>
+              <a:ea typeface="배달의민족 한나체 Pro" panose="020B0600000101010101" pitchFamily="50" charset="-127"/>
+            </a:endParaRPr>
+          </a:p>
+        </p:txBody>
+      </p:sp>
+      <p:graphicFrame>
+        <p:nvGraphicFramePr>
+          <p:cNvPr id="2" name="표 1">
+            <a:extLst>
+              <a:ext uri="{FF2B5EF4-FFF2-40B4-BE49-F238E27FC236}">
+                <a16:creationId xmlns:a16="http://schemas.microsoft.com/office/drawing/2014/main" id="{BB8DAC24-67F6-9D18-4B31-A8AB3C6EBF8A}"/>
+              </a:ext>
+            </a:extLst>
+          </p:cNvPr>
+          <p:cNvGraphicFramePr>
+            <a:graphicFrameLocks noGrp="1"/>
+          </p:cNvGraphicFramePr>
+          <p:nvPr>
+            <p:extLst>
+              <p:ext uri="{D42A27DB-BD31-4B8C-83A1-F6EECF244321}">
+                <p14:modId xmlns:p14="http://schemas.microsoft.com/office/powerpoint/2010/main" val="2136854822"/>
+              </p:ext>
+            </p:extLst>
+          </p:nvPr>
+        </p:nvGraphicFramePr>
+        <p:xfrm>
+          <a:off x="593985" y="1054978"/>
+          <a:ext cx="10325808" cy="2147473"/>
+        </p:xfrm>
+        <a:graphic>
+          <a:graphicData uri="http://schemas.openxmlformats.org/drawingml/2006/table">
+            <a:tbl>
+              <a:tblPr>
+                <a:tableStyleId>{5C22544A-7EE6-4342-B048-85BDC9FD1C3A}</a:tableStyleId>
+              </a:tblPr>
+              <a:tblGrid>
+                <a:gridCol w="901308">
+                  <a:extLst>
+                    <a:ext uri="{9D8B030D-6E8A-4147-A177-3AD203B41FA5}">
+                      <a16:colId xmlns:a16="http://schemas.microsoft.com/office/drawing/2014/main" val="2094208962"/>
+                    </a:ext>
+                  </a:extLst>
+                </a:gridCol>
+                <a:gridCol w="1570750">
+                  <a:extLst>
+                    <a:ext uri="{9D8B030D-6E8A-4147-A177-3AD203B41FA5}">
+                      <a16:colId xmlns:a16="http://schemas.microsoft.com/office/drawing/2014/main" val="2752306251"/>
+                    </a:ext>
+                  </a:extLst>
+                </a:gridCol>
+                <a:gridCol w="1570750">
+                  <a:extLst>
+                    <a:ext uri="{9D8B030D-6E8A-4147-A177-3AD203B41FA5}">
+                      <a16:colId xmlns:a16="http://schemas.microsoft.com/office/drawing/2014/main" val="596121574"/>
+                    </a:ext>
+                  </a:extLst>
+                </a:gridCol>
+                <a:gridCol w="1570750">
+                  <a:extLst>
+                    <a:ext uri="{9D8B030D-6E8A-4147-A177-3AD203B41FA5}">
+                      <a16:colId xmlns:a16="http://schemas.microsoft.com/office/drawing/2014/main" val="3885750333"/>
+                    </a:ext>
+                  </a:extLst>
+                </a:gridCol>
+                <a:gridCol w="1570750">
+                  <a:extLst>
+                    <a:ext uri="{9D8B030D-6E8A-4147-A177-3AD203B41FA5}">
+                      <a16:colId xmlns:a16="http://schemas.microsoft.com/office/drawing/2014/main" val="1037817449"/>
+                    </a:ext>
+                  </a:extLst>
+                </a:gridCol>
+                <a:gridCol w="1570750">
+                  <a:extLst>
+                    <a:ext uri="{9D8B030D-6E8A-4147-A177-3AD203B41FA5}">
+                      <a16:colId xmlns:a16="http://schemas.microsoft.com/office/drawing/2014/main" val="2184342446"/>
+                    </a:ext>
+                  </a:extLst>
+                </a:gridCol>
+                <a:gridCol w="1570750">
+                  <a:extLst>
+                    <a:ext uri="{9D8B030D-6E8A-4147-A177-3AD203B41FA5}">
+                      <a16:colId xmlns:a16="http://schemas.microsoft.com/office/drawing/2014/main" val="1686982310"/>
+                    </a:ext>
+                  </a:extLst>
+                </a:gridCol>
+              </a:tblGrid>
+              <a:tr h="305973">
+                <a:tc gridSpan="7">
+                  <a:txBody>
+                    <a:bodyPr/>
+                    <a:lstStyle/>
+                    <a:p>
+                      <a:pPr algn="ctr" fontAlgn="ctr"/>
+                      <a:r>
+                        <a:rPr lang="ko-KR" altLang="en-US" sz="1600" b="0" i="0" u="none" strike="noStrike" dirty="0">
+                          <a:solidFill>
+                            <a:srgbClr val="000000"/>
+                          </a:solidFill>
+                          <a:effectLst/>
+                          <a:latin typeface="배달의민족 한나체 Pro" panose="020B0600000101010101" pitchFamily="50" charset="-127"/>
+                          <a:ea typeface="배달의민족 한나체 Pro" panose="020B0600000101010101" pitchFamily="50" charset="-127"/>
+                        </a:rPr>
+                        <a:t>버프 </a:t>
+                      </a:r>
+                      <a:r>
+                        <a:rPr lang="en-US" altLang="ko-KR" sz="1600" b="0" i="0" u="none" strike="noStrike" dirty="0">
+                          <a:solidFill>
+                            <a:srgbClr val="000000"/>
+                          </a:solidFill>
+                          <a:effectLst/>
+                          <a:latin typeface="배달의민족 한나체 Pro" panose="020B0600000101010101" pitchFamily="50" charset="-127"/>
+                          <a:ea typeface="배달의민족 한나체 Pro" panose="020B0600000101010101" pitchFamily="50" charset="-127"/>
+                        </a:rPr>
+                        <a:t>DT</a:t>
+                      </a:r>
+                      <a:endParaRPr lang="en-US" sz="1600" b="0" i="0" u="none" strike="noStrike" dirty="0">
+                        <a:solidFill>
+                          <a:srgbClr val="000000"/>
+                        </a:solidFill>
+                        <a:effectLst/>
+                        <a:latin typeface="배달의민족 한나체 Pro" panose="020B0600000101010101" pitchFamily="50" charset="-127"/>
+                        <a:ea typeface="배달의민족 한나체 Pro" panose="020B0600000101010101" pitchFamily="50" charset="-127"/>
+                      </a:endParaRPr>
+                    </a:p>
+                  </a:txBody>
+                  <a:tcPr marL="7620" marR="7620" marT="7620" marB="0" anchor="ctr">
+                    <a:lnL w="12700" cap="flat" cmpd="sng" algn="ctr">
+                      <a:solidFill>
+                        <a:schemeClr val="tx1"/>
+                      </a:solidFill>
+                      <a:prstDash val="solid"/>
+                      <a:round/>
+                      <a:headEnd type="none" w="med" len="med"/>
+                      <a:tailEnd type="none" w="med" len="med"/>
+                    </a:lnL>
+                    <a:lnR w="12700" cap="flat" cmpd="sng" algn="ctr">
+                      <a:solidFill>
+                        <a:schemeClr val="tx1"/>
+                      </a:solidFill>
+                      <a:prstDash val="solid"/>
+                      <a:round/>
+                      <a:headEnd type="none" w="med" len="med"/>
+                      <a:tailEnd type="none" w="med" len="med"/>
+                    </a:lnR>
+                    <a:lnT w="12700" cap="flat" cmpd="sng" algn="ctr">
+                      <a:solidFill>
+                        <a:schemeClr val="tx1"/>
+                      </a:solidFill>
+                      <a:prstDash val="solid"/>
+                      <a:round/>
+                      <a:headEnd type="none" w="med" len="med"/>
+                      <a:tailEnd type="none" w="med" len="med"/>
+                    </a:lnT>
+                    <a:lnB w="12700" cap="flat" cmpd="sng" algn="ctr">
+                      <a:solidFill>
+                        <a:schemeClr val="tx1"/>
+                      </a:solidFill>
+                      <a:prstDash val="solid"/>
+                      <a:round/>
+                      <a:headEnd type="none" w="med" len="med"/>
+                      <a:tailEnd type="none" w="med" len="med"/>
+                    </a:lnB>
+                    <a:solidFill>
+                      <a:schemeClr val="accent1">
+                        <a:lumMod val="40000"/>
+                        <a:lumOff val="60000"/>
+                      </a:schemeClr>
+                    </a:solidFill>
+                  </a:tcPr>
+                </a:tc>
+                <a:tc hMerge="1">
+                  <a:txBody>
+                    <a:bodyPr/>
+                    <a:lstStyle/>
+                    <a:p>
+                      <a:endParaRPr dirty="0"/>
+                    </a:p>
+                  </a:txBody>
+                  <a:tcPr marL="7620" marR="7620" marT="7620" marB="0" anchor="ctr">
+                    <a:lnL w="12700" cap="flat" cmpd="sng" algn="ctr">
+                      <a:solidFill>
+                        <a:schemeClr val="tx1"/>
+                      </a:solidFill>
+                      <a:prstDash val="solid"/>
+                      <a:round/>
+                      <a:headEnd type="none" w="med" len="med"/>
+                      <a:tailEnd type="none" w="med" len="med"/>
+                    </a:lnL>
+                    <a:lnR w="12700" cap="flat" cmpd="sng" algn="ctr">
+                      <a:solidFill>
+                        <a:schemeClr val="tx1"/>
+                      </a:solidFill>
+                      <a:prstDash val="solid"/>
+                      <a:round/>
+                      <a:headEnd type="none" w="med" len="med"/>
+                      <a:tailEnd type="none" w="med" len="med"/>
+                    </a:lnR>
+                    <a:lnT w="12700" cap="flat" cmpd="sng" algn="ctr">
+                      <a:solidFill>
+                        <a:schemeClr val="tx1"/>
+                      </a:solidFill>
+                      <a:prstDash val="solid"/>
+                      <a:round/>
+                      <a:headEnd type="none" w="med" len="med"/>
+                      <a:tailEnd type="none" w="med" len="med"/>
+                    </a:lnT>
+                    <a:lnB w="12700" cap="flat" cmpd="sng" algn="ctr">
+                      <a:solidFill>
+                        <a:schemeClr val="tx1"/>
+                      </a:solidFill>
+                      <a:prstDash val="solid"/>
+                      <a:round/>
+                      <a:headEnd type="none" w="med" len="med"/>
+                      <a:tailEnd type="none" w="med" len="med"/>
+                    </a:lnB>
+                    <a:solidFill>
+                      <a:schemeClr val="accent1">
+                        <a:lumMod val="40000"/>
+                        <a:lumOff val="60000"/>
+                      </a:schemeClr>
+                    </a:solidFill>
+                  </a:tcPr>
+                </a:tc>
+                <a:tc hMerge="1">
+                  <a:txBody>
+                    <a:bodyPr/>
+                    <a:lstStyle/>
+                    <a:p>
+                      <a:pPr algn="l" fontAlgn="ctr"/>
+                      <a:endParaRPr lang="ko-KR" altLang="en-US" sz="1100" b="0" i="0" u="none" strike="noStrike">
+                        <a:solidFill>
+                          <a:srgbClr val="000000"/>
+                        </a:solidFill>
+                        <a:effectLst/>
+                        <a:latin typeface="맑은 고딕" panose="020B0503020000020004" pitchFamily="50" charset="-127"/>
+                        <a:ea typeface="맑은 고딕" panose="020B0503020000020004" pitchFamily="50" charset="-127"/>
+                      </a:endParaRPr>
+                    </a:p>
+                  </a:txBody>
+                  <a:tcPr marL="7620" marR="7620" marT="7620" marB="0" anchor="ctr"/>
+                </a:tc>
+                <a:tc hMerge="1">
+                  <a:txBody>
+                    <a:bodyPr/>
+                    <a:lstStyle/>
+                    <a:p>
+                      <a:pPr latinLnBrk="1"/>
+                      <a:endParaRPr lang="ko-KR" altLang="en-US"/>
+                    </a:p>
+                  </a:txBody>
+                  <a:tcPr/>
+                </a:tc>
+                <a:tc hMerge="1">
+                  <a:txBody>
+                    <a:bodyPr/>
+                    <a:lstStyle/>
+                    <a:p>
+                      <a:pPr algn="l" fontAlgn="ctr"/>
+                      <a:endParaRPr lang="ko-KR" altLang="en-US" sz="1100" b="0" i="0" u="none" strike="noStrike">
+                        <a:solidFill>
+                          <a:srgbClr val="000000"/>
+                        </a:solidFill>
+                        <a:effectLst/>
+                        <a:latin typeface="맑은 고딕" panose="020B0503020000020004" pitchFamily="50" charset="-127"/>
+                        <a:ea typeface="맑은 고딕" panose="020B0503020000020004" pitchFamily="50" charset="-127"/>
+                      </a:endParaRPr>
+                    </a:p>
+                  </a:txBody>
+                  <a:tcPr marL="7620" marR="7620" marT="7620" marB="0" anchor="ctr"/>
+                </a:tc>
+                <a:tc hMerge="1">
+                  <a:txBody>
+                    <a:bodyPr/>
+                    <a:lstStyle/>
+                    <a:p>
+                      <a:pPr latinLnBrk="1"/>
+                      <a:endParaRPr lang="ko-KR" altLang="en-US"/>
+                    </a:p>
+                  </a:txBody>
+                  <a:tcPr/>
+                </a:tc>
+                <a:tc hMerge="1">
+                  <a:txBody>
+                    <a:bodyPr/>
+                    <a:lstStyle/>
+                    <a:p>
+                      <a:pPr algn="ctr" fontAlgn="ctr"/>
+                      <a:endParaRPr lang="en-US" sz="1600" b="0" i="0" u="none" strike="noStrike" dirty="0">
+                        <a:solidFill>
+                          <a:srgbClr val="000000"/>
+                        </a:solidFill>
+                        <a:effectLst/>
+                        <a:latin typeface="배달의민족 한나체 Pro" panose="020B0600000101010101" pitchFamily="50" charset="-127"/>
+                        <a:ea typeface="배달의민족 한나체 Pro" panose="020B0600000101010101" pitchFamily="50" charset="-127"/>
+                      </a:endParaRPr>
+                    </a:p>
+                  </a:txBody>
+                  <a:tcPr marL="7620" marR="7620" marT="7620" marB="0" anchor="ctr">
+                    <a:lnL w="12700" cap="flat" cmpd="sng" algn="ctr">
+                      <a:solidFill>
+                        <a:schemeClr val="tx1"/>
+                      </a:solidFill>
+                      <a:prstDash val="solid"/>
+                      <a:round/>
+                      <a:headEnd type="none" w="med" len="med"/>
+                      <a:tailEnd type="none" w="med" len="med"/>
+                    </a:lnL>
+                    <a:lnR w="12700" cap="flat" cmpd="sng" algn="ctr">
+                      <a:solidFill>
+                        <a:schemeClr val="tx1"/>
+                      </a:solidFill>
+                      <a:prstDash val="solid"/>
+                      <a:round/>
+                      <a:headEnd type="none" w="med" len="med"/>
+                      <a:tailEnd type="none" w="med" len="med"/>
+                    </a:lnR>
+                    <a:lnT w="12700" cap="flat" cmpd="sng" algn="ctr">
+                      <a:solidFill>
+                        <a:schemeClr val="tx1"/>
+                      </a:solidFill>
+                      <a:prstDash val="solid"/>
+                      <a:round/>
+                      <a:headEnd type="none" w="med" len="med"/>
+                      <a:tailEnd type="none" w="med" len="med"/>
+                    </a:lnT>
+                    <a:lnB w="12700" cap="flat" cmpd="sng" algn="ctr">
+                      <a:solidFill>
+                        <a:schemeClr val="tx1"/>
+                      </a:solidFill>
+                      <a:prstDash val="solid"/>
+                      <a:round/>
+                      <a:headEnd type="none" w="med" len="med"/>
+                      <a:tailEnd type="none" w="med" len="med"/>
+                    </a:lnB>
+                    <a:solidFill>
+                      <a:schemeClr val="accent1">
+                        <a:lumMod val="40000"/>
+                        <a:lumOff val="60000"/>
+                      </a:schemeClr>
+                    </a:solidFill>
+                  </a:tcPr>
+                </a:tc>
+                <a:extLst>
+                  <a:ext uri="{0D108BD9-81ED-4DB2-BD59-A6C34878D82A}">
+                    <a16:rowId xmlns:a16="http://schemas.microsoft.com/office/drawing/2014/main" val="2294131330"/>
+                  </a:ext>
+                </a:extLst>
+              </a:tr>
+              <a:tr h="220980">
+                <a:tc>
+                  <a:txBody>
+                    <a:bodyPr/>
+                    <a:lstStyle/>
+                    <a:p>
+                      <a:pPr algn="ctr" fontAlgn="ctr"/>
+                      <a:r>
+                        <a:rPr lang="ko-KR" altLang="en-US" sz="1100" b="0" i="0" u="none" strike="noStrike" dirty="0">
+                          <a:solidFill>
+                            <a:srgbClr val="000000"/>
+                          </a:solidFill>
+                          <a:effectLst/>
+                          <a:latin typeface="배달의민족 한나체 Pro" panose="020B0600000101010101" pitchFamily="50" charset="-127"/>
+                          <a:ea typeface="배달의민족 한나체 Pro" panose="020B0600000101010101" pitchFamily="50" charset="-127"/>
+                        </a:rPr>
+                        <a:t>항목</a:t>
+                      </a:r>
+                      <a:endParaRPr lang="en-US" sz="1100" b="0" i="0" u="none" strike="noStrike" dirty="0">
+                        <a:solidFill>
+                          <a:srgbClr val="000000"/>
+                        </a:solidFill>
+                        <a:effectLst/>
+                        <a:latin typeface="배달의민족 한나체 Pro" panose="020B0600000101010101" pitchFamily="50" charset="-127"/>
+                        <a:ea typeface="배달의민족 한나체 Pro" panose="020B0600000101010101" pitchFamily="50" charset="-127"/>
+                      </a:endParaRPr>
+                    </a:p>
+                  </a:txBody>
+                  <a:tcPr marL="7620" marR="7620" marT="7620" marB="0" anchor="ctr">
+                    <a:lnL w="12700" cap="flat" cmpd="sng" algn="ctr">
+                      <a:solidFill>
+                        <a:schemeClr val="tx1"/>
+                      </a:solidFill>
+                      <a:prstDash val="solid"/>
+                      <a:round/>
+                      <a:headEnd type="none" w="med" len="med"/>
+                      <a:tailEnd type="none" w="med" len="med"/>
+                    </a:lnL>
+                    <a:lnR w="12700" cap="flat" cmpd="sng" algn="ctr">
+                      <a:solidFill>
+                        <a:schemeClr val="tx1"/>
+                      </a:solidFill>
+                      <a:prstDash val="solid"/>
+                      <a:round/>
+                      <a:headEnd type="none" w="med" len="med"/>
+                      <a:tailEnd type="none" w="med" len="med"/>
+                    </a:lnR>
+                    <a:lnT w="12700" cap="flat" cmpd="sng" algn="ctr">
+                      <a:solidFill>
+                        <a:schemeClr val="tx1"/>
+                      </a:solidFill>
+                      <a:prstDash val="solid"/>
+                      <a:round/>
+                      <a:headEnd type="none" w="med" len="med"/>
+                      <a:tailEnd type="none" w="med" len="med"/>
+                    </a:lnT>
+                    <a:lnB w="12700" cap="flat" cmpd="sng" algn="ctr">
+                      <a:solidFill>
+                        <a:schemeClr val="tx1"/>
+                      </a:solidFill>
+                      <a:prstDash val="solid"/>
+                      <a:round/>
+                      <a:headEnd type="none" w="med" len="med"/>
+                      <a:tailEnd type="none" w="med" len="med"/>
+                    </a:lnB>
+                    <a:solidFill>
+                      <a:srgbClr val="FFFF00"/>
+                    </a:solidFill>
+                  </a:tcPr>
+                </a:tc>
+                <a:tc>
+                  <a:txBody>
+                    <a:bodyPr/>
+                    <a:lstStyle/>
+                    <a:p>
+                      <a:pPr algn="ctr" fontAlgn="ctr"/>
+                      <a:r>
+                        <a:rPr lang="en-US" sz="1100" b="0" i="0" u="none" strike="noStrike" dirty="0">
+                          <a:solidFill>
+                            <a:srgbClr val="000000"/>
+                          </a:solidFill>
+                          <a:effectLst/>
+                          <a:latin typeface="배달의민족 한나체 Pro" panose="020B0600000101010101" pitchFamily="50" charset="-127"/>
+                          <a:ea typeface="배달의민족 한나체 Pro" panose="020B0600000101010101" pitchFamily="50" charset="-127"/>
+                        </a:rPr>
+                        <a:t>ID</a:t>
+                      </a:r>
+                    </a:p>
+                  </a:txBody>
+                  <a:tcPr marL="7620" marR="7620" marT="7620" marB="0" anchor="ctr">
+                    <a:lnL w="12700" cap="flat" cmpd="sng" algn="ctr">
+                      <a:solidFill>
+                        <a:schemeClr val="tx1"/>
+                      </a:solidFill>
+                      <a:prstDash val="solid"/>
+                      <a:round/>
+                      <a:headEnd type="none" w="med" len="med"/>
+                      <a:tailEnd type="none" w="med" len="med"/>
+                    </a:lnL>
+                    <a:lnR w="12700" cap="flat" cmpd="sng" algn="ctr">
+                      <a:solidFill>
+                        <a:schemeClr val="tx1"/>
+                      </a:solidFill>
+                      <a:prstDash val="solid"/>
+                      <a:round/>
+                      <a:headEnd type="none" w="med" len="med"/>
+                      <a:tailEnd type="none" w="med" len="med"/>
+                    </a:lnR>
+                    <a:lnT w="12700" cap="flat" cmpd="sng" algn="ctr">
+                      <a:solidFill>
+                        <a:schemeClr val="tx1"/>
+                      </a:solidFill>
+                      <a:prstDash val="solid"/>
+                      <a:round/>
+                      <a:headEnd type="none" w="med" len="med"/>
+                      <a:tailEnd type="none" w="med" len="med"/>
+                    </a:lnT>
+                    <a:lnB w="12700" cap="flat" cmpd="sng" algn="ctr">
+                      <a:solidFill>
+                        <a:schemeClr val="tx1"/>
+                      </a:solidFill>
+                      <a:prstDash val="solid"/>
+                      <a:round/>
+                      <a:headEnd type="none" w="med" len="med"/>
+                      <a:tailEnd type="none" w="med" len="med"/>
+                    </a:lnB>
+                    <a:solidFill>
+                      <a:srgbClr val="FFFF00"/>
+                    </a:solidFill>
+                  </a:tcPr>
+                </a:tc>
+                <a:tc>
+                  <a:txBody>
+                    <a:bodyPr/>
+                    <a:lstStyle/>
+                    <a:p>
+                      <a:pPr algn="ctr" fontAlgn="ctr"/>
+                      <a:r>
+                        <a:rPr lang="ko-KR" altLang="en-US" sz="1100" b="0" i="0" u="none" strike="noStrike" dirty="0">
+                          <a:solidFill>
+                            <a:srgbClr val="000000"/>
+                          </a:solidFill>
+                          <a:effectLst/>
+                          <a:latin typeface="배달의민족 한나체 Pro" panose="020B0600000101010101" pitchFamily="50" charset="-127"/>
+                          <a:ea typeface="배달의민족 한나체 Pro" panose="020B0600000101010101" pitchFamily="50" charset="-127"/>
+                        </a:rPr>
+                        <a:t>버프 이름</a:t>
+                      </a:r>
+                    </a:p>
+                  </a:txBody>
+                  <a:tcPr marL="7620" marR="7620" marT="7620" marB="0" anchor="ctr">
+                    <a:lnL w="12700" cap="flat" cmpd="sng" algn="ctr">
+                      <a:solidFill>
+                        <a:schemeClr val="tx1"/>
+                      </a:solidFill>
+                      <a:prstDash val="solid"/>
+                      <a:round/>
+                      <a:headEnd type="none" w="med" len="med"/>
+                      <a:tailEnd type="none" w="med" len="med"/>
+                    </a:lnL>
+                    <a:lnR w="12700" cap="flat" cmpd="sng" algn="ctr">
+                      <a:solidFill>
+                        <a:schemeClr val="tx1"/>
+                      </a:solidFill>
+                      <a:prstDash val="solid"/>
+                      <a:round/>
+                      <a:headEnd type="none" w="med" len="med"/>
+                      <a:tailEnd type="none" w="med" len="med"/>
+                    </a:lnR>
+                    <a:lnT w="12700" cap="flat" cmpd="sng" algn="ctr">
+                      <a:solidFill>
+                        <a:schemeClr val="tx1"/>
+                      </a:solidFill>
+                      <a:prstDash val="solid"/>
+                      <a:round/>
+                      <a:headEnd type="none" w="med" len="med"/>
+                      <a:tailEnd type="none" w="med" len="med"/>
+                    </a:lnT>
+                    <a:lnB w="12700" cap="flat" cmpd="sng" algn="ctr">
+                      <a:solidFill>
+                        <a:schemeClr val="tx1"/>
+                      </a:solidFill>
+                      <a:prstDash val="solid"/>
+                      <a:round/>
+                      <a:headEnd type="none" w="med" len="med"/>
+                      <a:tailEnd type="none" w="med" len="med"/>
+                    </a:lnB>
+                    <a:solidFill>
+                      <a:srgbClr val="FFFF00"/>
+                    </a:solidFill>
+                  </a:tcPr>
+                </a:tc>
+                <a:tc>
+                  <a:txBody>
+                    <a:bodyPr/>
+                    <a:lstStyle/>
+                    <a:p>
+                      <a:pPr algn="ctr" fontAlgn="ctr"/>
+                      <a:r>
+                        <a:rPr lang="ko-KR" altLang="en-US" sz="1100" b="0" i="0" u="none" strike="noStrike" dirty="0">
+                          <a:solidFill>
+                            <a:srgbClr val="000000"/>
+                          </a:solidFill>
+                          <a:effectLst/>
+                          <a:latin typeface="배달의민족 한나체 Pro" panose="020B0600000101010101" pitchFamily="50" charset="-127"/>
+                          <a:ea typeface="배달의민족 한나체 Pro" panose="020B0600000101010101" pitchFamily="50" charset="-127"/>
+                        </a:rPr>
+                        <a:t>버프 타입</a:t>
+                      </a:r>
+                    </a:p>
+                  </a:txBody>
+                  <a:tcPr marL="7620" marR="7620" marT="7620" marB="0" anchor="ctr">
+                    <a:lnL w="12700" cap="flat" cmpd="sng" algn="ctr">
+                      <a:solidFill>
+                        <a:schemeClr val="tx1"/>
+                      </a:solidFill>
+                      <a:prstDash val="solid"/>
+                      <a:round/>
+                      <a:headEnd type="none" w="med" len="med"/>
+                      <a:tailEnd type="none" w="med" len="med"/>
+                    </a:lnL>
+                    <a:lnR w="12700" cap="flat" cmpd="sng" algn="ctr">
+                      <a:solidFill>
+                        <a:schemeClr val="tx1"/>
+                      </a:solidFill>
+                      <a:prstDash val="solid"/>
+                      <a:round/>
+                      <a:headEnd type="none" w="med" len="med"/>
+                      <a:tailEnd type="none" w="med" len="med"/>
+                    </a:lnR>
+                    <a:lnT w="12700" cap="flat" cmpd="sng" algn="ctr">
+                      <a:solidFill>
+                        <a:schemeClr val="tx1"/>
+                      </a:solidFill>
+                      <a:prstDash val="solid"/>
+                      <a:round/>
+                      <a:headEnd type="none" w="med" len="med"/>
+                      <a:tailEnd type="none" w="med" len="med"/>
+                    </a:lnT>
+                    <a:lnB w="12700" cap="flat" cmpd="sng" algn="ctr">
+                      <a:solidFill>
+                        <a:schemeClr val="tx1"/>
+                      </a:solidFill>
+                      <a:prstDash val="solid"/>
+                      <a:round/>
+                      <a:headEnd type="none" w="med" len="med"/>
+                      <a:tailEnd type="none" w="med" len="med"/>
+                    </a:lnB>
+                    <a:solidFill>
+                      <a:srgbClr val="FFFF00"/>
+                    </a:solidFill>
+                  </a:tcPr>
+                </a:tc>
+                <a:tc>
+                  <a:txBody>
+                    <a:bodyPr/>
+                    <a:lstStyle/>
+                    <a:p>
+                      <a:pPr algn="ctr" fontAlgn="ctr"/>
+                      <a:r>
+                        <a:rPr lang="ko-KR" altLang="en-US" sz="1100" b="0" i="0" u="none" strike="noStrike" dirty="0">
+                          <a:solidFill>
+                            <a:srgbClr val="000000"/>
+                          </a:solidFill>
+                          <a:effectLst/>
+                          <a:latin typeface="배달의민족 한나체 Pro" panose="020B0600000101010101" pitchFamily="50" charset="-127"/>
+                          <a:ea typeface="배달의민족 한나체 Pro" panose="020B0600000101010101" pitchFamily="50" charset="-127"/>
+                        </a:rPr>
+                        <a:t>버프 대상</a:t>
+                      </a:r>
+                    </a:p>
+                  </a:txBody>
+                  <a:tcPr marL="7620" marR="7620" marT="7620" marB="0" anchor="ctr">
+                    <a:lnL w="12700" cap="flat" cmpd="sng" algn="ctr">
+                      <a:solidFill>
+                        <a:schemeClr val="tx1"/>
+                      </a:solidFill>
+                      <a:prstDash val="solid"/>
+                      <a:round/>
+                      <a:headEnd type="none" w="med" len="med"/>
+                      <a:tailEnd type="none" w="med" len="med"/>
+                    </a:lnL>
+                    <a:lnR w="12700" cap="flat" cmpd="sng" algn="ctr">
+                      <a:solidFill>
+                        <a:schemeClr val="tx1"/>
+                      </a:solidFill>
+                      <a:prstDash val="solid"/>
+                      <a:round/>
+                      <a:headEnd type="none" w="med" len="med"/>
+                      <a:tailEnd type="none" w="med" len="med"/>
+                    </a:lnR>
+                    <a:lnT w="12700" cap="flat" cmpd="sng" algn="ctr">
+                      <a:solidFill>
+                        <a:schemeClr val="tx1"/>
+                      </a:solidFill>
+                      <a:prstDash val="solid"/>
+                      <a:round/>
+                      <a:headEnd type="none" w="med" len="med"/>
+                      <a:tailEnd type="none" w="med" len="med"/>
+                    </a:lnT>
+                    <a:lnB w="12700" cap="flat" cmpd="sng" algn="ctr">
+                      <a:solidFill>
+                        <a:schemeClr val="tx1"/>
+                      </a:solidFill>
+                      <a:prstDash val="solid"/>
+                      <a:round/>
+                      <a:headEnd type="none" w="med" len="med"/>
+                      <a:tailEnd type="none" w="med" len="med"/>
+                    </a:lnB>
+                    <a:solidFill>
+                      <a:srgbClr val="FFFF00"/>
+                    </a:solidFill>
+                  </a:tcPr>
+                </a:tc>
+                <a:tc>
+                  <a:txBody>
+                    <a:bodyPr/>
+                    <a:lstStyle/>
+                    <a:p>
+                      <a:pPr marL="0" marR="0" lvl="0" indent="0" algn="ctr" defTabSz="914400" rtl="0" eaLnBrk="1" fontAlgn="ctr" latinLnBrk="1" hangingPunct="1">
+                        <a:lnSpc>
+                          <a:spcPct val="100000"/>
+                        </a:lnSpc>
+                        <a:spcBef>
+                          <a:spcPts val="0"/>
+                        </a:spcBef>
+                        <a:spcAft>
+                          <a:spcPts val="0"/>
+                        </a:spcAft>
+                        <a:buClrTx/>
+                        <a:buSzTx/>
+                        <a:buFontTx/>
+                        <a:buNone/>
+                        <a:tabLst/>
+                        <a:defRPr/>
+                      </a:pPr>
+                      <a:r>
+                        <a:rPr lang="ko-KR" altLang="en-US" sz="1100" b="1" dirty="0">
+                          <a:latin typeface="배달의민족 한나체 Air" panose="020B0600000101010101" pitchFamily="50" charset="-127"/>
+                          <a:ea typeface="배달의민족 한나체 Air" panose="020B0600000101010101" pitchFamily="50" charset="-127"/>
+                        </a:rPr>
+                        <a:t>버프 </a:t>
+                      </a:r>
+                      <a:r>
+                        <a:rPr lang="en-US" altLang="ko-KR" sz="1100" b="1" dirty="0">
+                          <a:latin typeface="배달의민족 한나체 Air" panose="020B0600000101010101" pitchFamily="50" charset="-127"/>
+                          <a:ea typeface="배달의민족 한나체 Air" panose="020B0600000101010101" pitchFamily="50" charset="-127"/>
+                        </a:rPr>
+                        <a:t>Text ID</a:t>
+                      </a:r>
+                    </a:p>
+                  </a:txBody>
+                  <a:tcPr marL="7620" marR="7620" marT="7620" marB="0" anchor="ctr">
+                    <a:lnL w="12700" cap="flat" cmpd="sng" algn="ctr">
+                      <a:solidFill>
+                        <a:schemeClr val="tx1"/>
+                      </a:solidFill>
+                      <a:prstDash val="solid"/>
+                      <a:round/>
+                      <a:headEnd type="none" w="med" len="med"/>
+                      <a:tailEnd type="none" w="med" len="med"/>
+                    </a:lnL>
+                    <a:lnR w="12700" cap="flat" cmpd="sng" algn="ctr">
+                      <a:solidFill>
+                        <a:schemeClr val="tx1"/>
+                      </a:solidFill>
+                      <a:prstDash val="solid"/>
+                      <a:round/>
+                      <a:headEnd type="none" w="med" len="med"/>
+                      <a:tailEnd type="none" w="med" len="med"/>
+                    </a:lnR>
+                    <a:lnT w="12700" cap="flat" cmpd="sng" algn="ctr">
+                      <a:solidFill>
+                        <a:schemeClr val="tx1"/>
+                      </a:solidFill>
+                      <a:prstDash val="solid"/>
+                      <a:round/>
+                      <a:headEnd type="none" w="med" len="med"/>
+                      <a:tailEnd type="none" w="med" len="med"/>
+                    </a:lnT>
+                    <a:lnB w="12700" cap="flat" cmpd="sng" algn="ctr">
+                      <a:solidFill>
+                        <a:schemeClr val="tx1"/>
+                      </a:solidFill>
+                      <a:prstDash val="solid"/>
+                      <a:round/>
+                      <a:headEnd type="none" w="med" len="med"/>
+                      <a:tailEnd type="none" w="med" len="med"/>
+                    </a:lnB>
+                    <a:solidFill>
+                      <a:srgbClr val="FFFF00"/>
+                    </a:solidFill>
+                  </a:tcPr>
+                </a:tc>
+                <a:tc>
+                  <a:txBody>
+                    <a:bodyPr/>
+                    <a:lstStyle/>
+                    <a:p>
+                      <a:pPr marL="0" marR="0" lvl="0" indent="0" algn="ctr" defTabSz="914400" rtl="0" eaLnBrk="1" fontAlgn="ctr" latinLnBrk="1" hangingPunct="1">
+                        <a:lnSpc>
+                          <a:spcPct val="100000"/>
+                        </a:lnSpc>
+                        <a:spcBef>
+                          <a:spcPts val="0"/>
+                        </a:spcBef>
+                        <a:spcAft>
+                          <a:spcPts val="0"/>
+                        </a:spcAft>
+                        <a:buClrTx/>
+                        <a:buSzTx/>
+                        <a:buFontTx/>
+                        <a:buNone/>
+                        <a:tabLst/>
+                        <a:defRPr/>
+                      </a:pPr>
+                      <a:r>
+                        <a:rPr lang="ko-KR" altLang="en-US" sz="1100" b="1" dirty="0">
+                          <a:latin typeface="배달의민족 한나체 Air" panose="020B0600000101010101" pitchFamily="50" charset="-127"/>
+                          <a:ea typeface="배달의민족 한나체 Air" panose="020B0600000101010101" pitchFamily="50" charset="-127"/>
+                        </a:rPr>
+                        <a:t>버프 효과수치</a:t>
+                      </a:r>
+                      <a:endParaRPr lang="en-US" altLang="ko-KR" sz="1100" b="1" dirty="0">
+                        <a:latin typeface="배달의민족 한나체 Air" panose="020B0600000101010101" pitchFamily="50" charset="-127"/>
+                        <a:ea typeface="배달의민족 한나체 Air" panose="020B0600000101010101" pitchFamily="50" charset="-127"/>
+                      </a:endParaRPr>
+                    </a:p>
+                  </a:txBody>
+                  <a:tcPr marL="7620" marR="7620" marT="7620" marB="0" anchor="ctr">
+                    <a:lnL w="12700" cap="flat" cmpd="sng" algn="ctr">
+                      <a:solidFill>
+                        <a:schemeClr val="tx1"/>
+                      </a:solidFill>
+                      <a:prstDash val="solid"/>
+                      <a:round/>
+                      <a:headEnd type="none" w="med" len="med"/>
+                      <a:tailEnd type="none" w="med" len="med"/>
+                    </a:lnL>
+                    <a:lnR w="12700" cap="flat" cmpd="sng" algn="ctr">
+                      <a:solidFill>
+                        <a:schemeClr val="tx1"/>
+                      </a:solidFill>
+                      <a:prstDash val="solid"/>
+                      <a:round/>
+                      <a:headEnd type="none" w="med" len="med"/>
+                      <a:tailEnd type="none" w="med" len="med"/>
+                    </a:lnR>
+                    <a:lnT w="12700" cap="flat" cmpd="sng" algn="ctr">
+                      <a:solidFill>
+                        <a:schemeClr val="tx1"/>
+                      </a:solidFill>
+                      <a:prstDash val="solid"/>
+                      <a:round/>
+                      <a:headEnd type="none" w="med" len="med"/>
+                      <a:tailEnd type="none" w="med" len="med"/>
+                    </a:lnT>
+                    <a:lnB w="12700" cap="flat" cmpd="sng" algn="ctr">
+                      <a:solidFill>
+                        <a:schemeClr val="tx1"/>
+                      </a:solidFill>
+                      <a:prstDash val="solid"/>
+                      <a:round/>
+                      <a:headEnd type="none" w="med" len="med"/>
+                      <a:tailEnd type="none" w="med" len="med"/>
+                    </a:lnB>
+                    <a:solidFill>
+                      <a:srgbClr val="FFFF00"/>
+                    </a:solidFill>
+                  </a:tcPr>
+                </a:tc>
+                <a:extLst>
+                  <a:ext uri="{0D108BD9-81ED-4DB2-BD59-A6C34878D82A}">
+                    <a16:rowId xmlns:a16="http://schemas.microsoft.com/office/drawing/2014/main" val="528428707"/>
+                  </a:ext>
+                </a:extLst>
+              </a:tr>
+              <a:tr h="220980">
+                <a:tc>
+                  <a:txBody>
+                    <a:bodyPr/>
+                    <a:lstStyle/>
+                    <a:p>
+                      <a:pPr algn="ctr" fontAlgn="ctr"/>
+                      <a:r>
+                        <a:rPr lang="ko-KR" altLang="en-US" sz="1100" b="0" i="0" u="none" strike="noStrike" dirty="0">
+                          <a:solidFill>
+                            <a:srgbClr val="000000"/>
+                          </a:solidFill>
+                          <a:effectLst/>
+                          <a:latin typeface="배달의민족 한나체 Pro" panose="020B0600000101010101" pitchFamily="50" charset="-127"/>
+                          <a:ea typeface="배달의민족 한나체 Pro" panose="020B0600000101010101" pitchFamily="50" charset="-127"/>
+                        </a:rPr>
+                        <a:t>데이터타입</a:t>
+                      </a:r>
+                      <a:endParaRPr lang="en-US" sz="1100" b="0" i="0" u="none" strike="noStrike" dirty="0">
+                        <a:solidFill>
+                          <a:srgbClr val="000000"/>
+                        </a:solidFill>
+                        <a:effectLst/>
+                        <a:latin typeface="배달의민족 한나체 Pro" panose="020B0600000101010101" pitchFamily="50" charset="-127"/>
+                        <a:ea typeface="배달의민족 한나체 Pro" panose="020B0600000101010101" pitchFamily="50" charset="-127"/>
+                      </a:endParaRPr>
+                    </a:p>
+                  </a:txBody>
+                  <a:tcPr marL="7620" marR="7620" marT="7620" marB="0" anchor="ctr">
+                    <a:lnL w="12700" cap="flat" cmpd="sng" algn="ctr">
+                      <a:solidFill>
+                        <a:schemeClr val="tx1"/>
+                      </a:solidFill>
+                      <a:prstDash val="solid"/>
+                      <a:round/>
+                      <a:headEnd type="none" w="med" len="med"/>
+                      <a:tailEnd type="none" w="med" len="med"/>
+                    </a:lnL>
+                    <a:lnR w="12700" cap="flat" cmpd="sng" algn="ctr">
+                      <a:solidFill>
+                        <a:schemeClr val="tx1"/>
+                      </a:solidFill>
+                      <a:prstDash val="solid"/>
+                      <a:round/>
+                      <a:headEnd type="none" w="med" len="med"/>
+                      <a:tailEnd type="none" w="med" len="med"/>
+                    </a:lnR>
+                    <a:lnT w="12700" cap="flat" cmpd="sng" algn="ctr">
+                      <a:solidFill>
+                        <a:schemeClr val="tx1"/>
+                      </a:solidFill>
+                      <a:prstDash val="solid"/>
+                      <a:round/>
+                      <a:headEnd type="none" w="med" len="med"/>
+                      <a:tailEnd type="none" w="med" len="med"/>
+                    </a:lnT>
+                    <a:lnB w="12700" cap="flat" cmpd="sng" algn="ctr">
+                      <a:solidFill>
+                        <a:schemeClr val="tx1"/>
+                      </a:solidFill>
+                      <a:prstDash val="solid"/>
+                      <a:round/>
+                      <a:headEnd type="none" w="med" len="med"/>
+                      <a:tailEnd type="none" w="med" len="med"/>
+                    </a:lnB>
+                  </a:tcPr>
+                </a:tc>
+                <a:tc>
+                  <a:txBody>
+                    <a:bodyPr/>
+                    <a:lstStyle/>
+                    <a:p>
+                      <a:pPr algn="l" fontAlgn="ctr"/>
+                      <a:r>
+                        <a:rPr lang="en-US" sz="1100" b="0" i="0" u="none" strike="noStrike" dirty="0">
+                          <a:solidFill>
+                            <a:srgbClr val="000000"/>
+                          </a:solidFill>
+                          <a:effectLst/>
+                          <a:latin typeface="배달의민족 한나체 Air" panose="020B0600000101010101" pitchFamily="50" charset="-127"/>
+                          <a:ea typeface="배달의민족 한나체 Air" panose="020B0600000101010101" pitchFamily="50" charset="-127"/>
+                        </a:rPr>
+                        <a:t>int</a:t>
+                      </a:r>
+                    </a:p>
+                  </a:txBody>
+                  <a:tcPr marL="36000" marR="7620" marT="7620" marB="0" anchor="ctr">
+                    <a:lnL w="12700" cap="flat" cmpd="sng" algn="ctr">
+                      <a:solidFill>
+                        <a:schemeClr val="tx1"/>
+                      </a:solidFill>
+                      <a:prstDash val="solid"/>
+                      <a:round/>
+                      <a:headEnd type="none" w="med" len="med"/>
+                      <a:tailEnd type="none" w="med" len="med"/>
+                    </a:lnL>
+                    <a:lnR w="12700" cap="flat" cmpd="sng" algn="ctr">
+                      <a:solidFill>
+                        <a:schemeClr val="tx1"/>
+                      </a:solidFill>
+                      <a:prstDash val="solid"/>
+                      <a:round/>
+                      <a:headEnd type="none" w="med" len="med"/>
+                      <a:tailEnd type="none" w="med" len="med"/>
+                    </a:lnR>
+                    <a:lnT w="12700" cap="flat" cmpd="sng" algn="ctr">
+                      <a:solidFill>
+                        <a:schemeClr val="tx1"/>
+                      </a:solidFill>
+                      <a:prstDash val="solid"/>
+                      <a:round/>
+                      <a:headEnd type="none" w="med" len="med"/>
+                      <a:tailEnd type="none" w="med" len="med"/>
+                    </a:lnT>
+                    <a:lnB w="12700" cap="flat" cmpd="sng" algn="ctr">
+                      <a:solidFill>
+                        <a:schemeClr val="tx1"/>
+                      </a:solidFill>
+                      <a:prstDash val="solid"/>
+                      <a:round/>
+                      <a:headEnd type="none" w="med" len="med"/>
+                      <a:tailEnd type="none" w="med" len="med"/>
+                    </a:lnB>
+                  </a:tcPr>
+                </a:tc>
+                <a:tc>
+                  <a:txBody>
+                    <a:bodyPr/>
+                    <a:lstStyle/>
+                    <a:p>
+                      <a:pPr algn="l" fontAlgn="ctr"/>
+                      <a:r>
+                        <a:rPr lang="en-US" sz="1100" b="0" i="0" u="none" strike="noStrike" dirty="0">
+                          <a:solidFill>
+                            <a:srgbClr val="000000"/>
+                          </a:solidFill>
+                          <a:effectLst/>
+                          <a:latin typeface="배달의민족 한나체 Air" panose="020B0600000101010101" pitchFamily="50" charset="-127"/>
+                          <a:ea typeface="배달의민족 한나체 Air" panose="020B0600000101010101" pitchFamily="50" charset="-127"/>
+                        </a:rPr>
+                        <a:t>string</a:t>
+                      </a:r>
+                    </a:p>
+                  </a:txBody>
+                  <a:tcPr marL="36000" marR="7620" marT="7620" marB="0" anchor="ctr">
+                    <a:lnL w="12700" cap="flat" cmpd="sng" algn="ctr">
+                      <a:solidFill>
+                        <a:schemeClr val="tx1"/>
+                      </a:solidFill>
+                      <a:prstDash val="solid"/>
+                      <a:round/>
+                      <a:headEnd type="none" w="med" len="med"/>
+                      <a:tailEnd type="none" w="med" len="med"/>
+                    </a:lnL>
+                    <a:lnR w="12700" cap="flat" cmpd="sng" algn="ctr">
+                      <a:solidFill>
+                        <a:schemeClr val="tx1"/>
+                      </a:solidFill>
+                      <a:prstDash val="solid"/>
+                      <a:round/>
+                      <a:headEnd type="none" w="med" len="med"/>
+                      <a:tailEnd type="none" w="med" len="med"/>
+                    </a:lnR>
+                    <a:lnT w="12700" cap="flat" cmpd="sng" algn="ctr">
+                      <a:solidFill>
+                        <a:schemeClr val="tx1"/>
+                      </a:solidFill>
+                      <a:prstDash val="solid"/>
+                      <a:round/>
+                      <a:headEnd type="none" w="med" len="med"/>
+                      <a:tailEnd type="none" w="med" len="med"/>
+                    </a:lnT>
+                    <a:lnB w="12700" cap="flat" cmpd="sng" algn="ctr">
+                      <a:solidFill>
+                        <a:schemeClr val="tx1"/>
+                      </a:solidFill>
+                      <a:prstDash val="solid"/>
+                      <a:round/>
+                      <a:headEnd type="none" w="med" len="med"/>
+                      <a:tailEnd type="none" w="med" len="med"/>
+                    </a:lnB>
+                  </a:tcPr>
+                </a:tc>
+                <a:tc>
+                  <a:txBody>
+                    <a:bodyPr/>
+                    <a:lstStyle/>
+                    <a:p>
+                      <a:pPr algn="l" fontAlgn="ctr"/>
+                      <a:r>
+                        <a:rPr lang="en-US" sz="1100" b="0" i="0" u="none" strike="noStrike" dirty="0">
+                          <a:solidFill>
+                            <a:srgbClr val="000000"/>
+                          </a:solidFill>
+                          <a:effectLst/>
+                          <a:latin typeface="배달의민족 한나체 Air" panose="020B0600000101010101" pitchFamily="50" charset="-127"/>
+                          <a:ea typeface="배달의민족 한나체 Air" panose="020B0600000101010101" pitchFamily="50" charset="-127"/>
+                        </a:rPr>
+                        <a:t>Enum</a:t>
+                      </a:r>
+                    </a:p>
+                  </a:txBody>
+                  <a:tcPr marL="36000" marR="7620" marT="7620" marB="0" anchor="ctr">
+                    <a:lnL w="12700" cap="flat" cmpd="sng" algn="ctr">
+                      <a:solidFill>
+                        <a:schemeClr val="tx1"/>
+                      </a:solidFill>
+                      <a:prstDash val="solid"/>
+                      <a:round/>
+                      <a:headEnd type="none" w="med" len="med"/>
+                      <a:tailEnd type="none" w="med" len="med"/>
+                    </a:lnL>
+                    <a:lnR w="12700" cap="flat" cmpd="sng" algn="ctr">
+                      <a:solidFill>
+                        <a:schemeClr val="tx1"/>
+                      </a:solidFill>
+                      <a:prstDash val="solid"/>
+                      <a:round/>
+                      <a:headEnd type="none" w="med" len="med"/>
+                      <a:tailEnd type="none" w="med" len="med"/>
+                    </a:lnR>
+                    <a:lnT w="12700" cap="flat" cmpd="sng" algn="ctr">
+                      <a:solidFill>
+                        <a:schemeClr val="tx1"/>
+                      </a:solidFill>
+                      <a:prstDash val="solid"/>
+                      <a:round/>
+                      <a:headEnd type="none" w="med" len="med"/>
+                      <a:tailEnd type="none" w="med" len="med"/>
+                    </a:lnT>
+                    <a:lnB w="12700" cap="flat" cmpd="sng" algn="ctr">
+                      <a:solidFill>
+                        <a:schemeClr val="tx1"/>
+                      </a:solidFill>
+                      <a:prstDash val="solid"/>
+                      <a:round/>
+                      <a:headEnd type="none" w="med" len="med"/>
+                      <a:tailEnd type="none" w="med" len="med"/>
+                    </a:lnB>
+                  </a:tcPr>
+                </a:tc>
+                <a:tc>
+                  <a:txBody>
+                    <a:bodyPr/>
+                    <a:lstStyle/>
+                    <a:p>
+                      <a:pPr algn="l" fontAlgn="ctr"/>
+                      <a:r>
+                        <a:rPr lang="en-US" sz="1100" b="0" i="0" u="none" strike="noStrike" dirty="0">
+                          <a:solidFill>
+                            <a:srgbClr val="000000"/>
+                          </a:solidFill>
+                          <a:effectLst/>
+                          <a:latin typeface="배달의민족 한나체 Air" panose="020B0600000101010101" pitchFamily="50" charset="-127"/>
+                          <a:ea typeface="배달의민족 한나체 Air" panose="020B0600000101010101" pitchFamily="50" charset="-127"/>
+                        </a:rPr>
+                        <a:t>Bool</a:t>
+                      </a:r>
+                    </a:p>
+                  </a:txBody>
+                  <a:tcPr marL="36000" marR="7620" marT="7620" marB="0" anchor="ctr">
+                    <a:lnL w="12700" cap="flat" cmpd="sng" algn="ctr">
+                      <a:solidFill>
+                        <a:schemeClr val="tx1"/>
+                      </a:solidFill>
+                      <a:prstDash val="solid"/>
+                      <a:round/>
+                      <a:headEnd type="none" w="med" len="med"/>
+                      <a:tailEnd type="none" w="med" len="med"/>
+                    </a:lnL>
+                    <a:lnR w="12700" cap="flat" cmpd="sng" algn="ctr">
+                      <a:solidFill>
+                        <a:schemeClr val="tx1"/>
+                      </a:solidFill>
+                      <a:prstDash val="solid"/>
+                      <a:round/>
+                      <a:headEnd type="none" w="med" len="med"/>
+                      <a:tailEnd type="none" w="med" len="med"/>
+                    </a:lnR>
+                    <a:lnT w="12700" cap="flat" cmpd="sng" algn="ctr">
+                      <a:solidFill>
+                        <a:schemeClr val="tx1"/>
+                      </a:solidFill>
+                      <a:prstDash val="solid"/>
+                      <a:round/>
+                      <a:headEnd type="none" w="med" len="med"/>
+                      <a:tailEnd type="none" w="med" len="med"/>
+                    </a:lnT>
+                    <a:lnB w="12700" cap="flat" cmpd="sng" algn="ctr">
+                      <a:solidFill>
+                        <a:schemeClr val="tx1"/>
+                      </a:solidFill>
+                      <a:prstDash val="solid"/>
+                      <a:round/>
+                      <a:headEnd type="none" w="med" len="med"/>
+                      <a:tailEnd type="none" w="med" len="med"/>
+                    </a:lnB>
+                  </a:tcPr>
+                </a:tc>
+                <a:tc>
+                  <a:txBody>
+                    <a:bodyPr/>
+                    <a:lstStyle/>
+                    <a:p>
+                      <a:pPr algn="l" fontAlgn="ctr"/>
+                      <a:r>
+                        <a:rPr lang="en-US" sz="1100" b="0" i="0" u="none" strike="noStrike" dirty="0">
+                          <a:solidFill>
+                            <a:srgbClr val="000000"/>
+                          </a:solidFill>
+                          <a:effectLst/>
+                          <a:latin typeface="배달의민족 한나체 Air" panose="020B0600000101010101" pitchFamily="50" charset="-127"/>
+                          <a:ea typeface="배달의민족 한나체 Air" panose="020B0600000101010101" pitchFamily="50" charset="-127"/>
+                        </a:rPr>
+                        <a:t>Int</a:t>
+                      </a:r>
+                    </a:p>
+                  </a:txBody>
+                  <a:tcPr marL="36000" marR="7620" marT="7620" marB="0" anchor="ctr">
+                    <a:lnL w="12700" cap="flat" cmpd="sng" algn="ctr">
+                      <a:solidFill>
+                        <a:schemeClr val="tx1"/>
+                      </a:solidFill>
+                      <a:prstDash val="solid"/>
+                      <a:round/>
+                      <a:headEnd type="none" w="med" len="med"/>
+                      <a:tailEnd type="none" w="med" len="med"/>
+                    </a:lnL>
+                    <a:lnR w="12700" cap="flat" cmpd="sng" algn="ctr">
+                      <a:solidFill>
+                        <a:schemeClr val="tx1"/>
+                      </a:solidFill>
+                      <a:prstDash val="solid"/>
+                      <a:round/>
+                      <a:headEnd type="none" w="med" len="med"/>
+                      <a:tailEnd type="none" w="med" len="med"/>
+                    </a:lnR>
+                    <a:lnT w="12700" cap="flat" cmpd="sng" algn="ctr">
+                      <a:solidFill>
+                        <a:schemeClr val="tx1"/>
+                      </a:solidFill>
+                      <a:prstDash val="solid"/>
+                      <a:round/>
+                      <a:headEnd type="none" w="med" len="med"/>
+                      <a:tailEnd type="none" w="med" len="med"/>
+                    </a:lnT>
+                    <a:lnB w="12700" cap="flat" cmpd="sng" algn="ctr">
+                      <a:solidFill>
+                        <a:schemeClr val="tx1"/>
+                      </a:solidFill>
+                      <a:prstDash val="solid"/>
+                      <a:round/>
+                      <a:headEnd type="none" w="med" len="med"/>
+                      <a:tailEnd type="none" w="med" len="med"/>
+                    </a:lnB>
+                  </a:tcPr>
+                </a:tc>
+                <a:tc>
+                  <a:txBody>
+                    <a:bodyPr/>
+                    <a:lstStyle/>
+                    <a:p>
+                      <a:pPr algn="l" fontAlgn="ctr"/>
+                      <a:r>
+                        <a:rPr lang="en-US" sz="1100" b="0" i="0" u="none" strike="noStrike" dirty="0">
+                          <a:solidFill>
+                            <a:srgbClr val="000000"/>
+                          </a:solidFill>
+                          <a:effectLst/>
+                          <a:latin typeface="배달의민족 한나체 Air" panose="020B0600000101010101" pitchFamily="50" charset="-127"/>
+                          <a:ea typeface="배달의민족 한나체 Air" panose="020B0600000101010101" pitchFamily="50" charset="-127"/>
+                        </a:rPr>
+                        <a:t>Int</a:t>
+                      </a:r>
+                    </a:p>
+                  </a:txBody>
+                  <a:tcPr marL="36000" marR="7620" marT="7620" marB="0" anchor="ctr">
+                    <a:lnL w="12700" cap="flat" cmpd="sng" algn="ctr">
+                      <a:solidFill>
+                        <a:schemeClr val="tx1"/>
+                      </a:solidFill>
+                      <a:prstDash val="solid"/>
+                      <a:round/>
+                      <a:headEnd type="none" w="med" len="med"/>
+                      <a:tailEnd type="none" w="med" len="med"/>
+                    </a:lnL>
+                    <a:lnR w="12700" cap="flat" cmpd="sng" algn="ctr">
+                      <a:solidFill>
+                        <a:schemeClr val="tx1"/>
+                      </a:solidFill>
+                      <a:prstDash val="solid"/>
+                      <a:round/>
+                      <a:headEnd type="none" w="med" len="med"/>
+                      <a:tailEnd type="none" w="med" len="med"/>
+                    </a:lnR>
+                    <a:lnT w="12700" cap="flat" cmpd="sng" algn="ctr">
+                      <a:solidFill>
+                        <a:schemeClr val="tx1"/>
+                      </a:solidFill>
+                      <a:prstDash val="solid"/>
+                      <a:round/>
+                      <a:headEnd type="none" w="med" len="med"/>
+                      <a:tailEnd type="none" w="med" len="med"/>
+                    </a:lnT>
+                    <a:lnB w="12700" cap="flat" cmpd="sng" algn="ctr">
+                      <a:solidFill>
+                        <a:schemeClr val="tx1"/>
+                      </a:solidFill>
+                      <a:prstDash val="solid"/>
+                      <a:round/>
+                      <a:headEnd type="none" w="med" len="med"/>
+                      <a:tailEnd type="none" w="med" len="med"/>
+                    </a:lnB>
+                  </a:tcPr>
+                </a:tc>
+                <a:extLst>
+                  <a:ext uri="{0D108BD9-81ED-4DB2-BD59-A6C34878D82A}">
+                    <a16:rowId xmlns:a16="http://schemas.microsoft.com/office/drawing/2014/main" val="2244374391"/>
+                  </a:ext>
+                </a:extLst>
+              </a:tr>
+              <a:tr h="1178560">
+                <a:tc>
+                  <a:txBody>
+                    <a:bodyPr/>
+                    <a:lstStyle/>
+                    <a:p>
+                      <a:pPr algn="ctr" fontAlgn="ctr"/>
+                      <a:r>
+                        <a:rPr lang="ko-KR" altLang="en-US" sz="1100" b="0" i="0" u="none" strike="noStrike" dirty="0">
+                          <a:solidFill>
+                            <a:srgbClr val="000000"/>
+                          </a:solidFill>
+                          <a:effectLst/>
+                          <a:latin typeface="배달의민족 한나체 Pro" panose="020B0600000101010101" pitchFamily="50" charset="-127"/>
+                          <a:ea typeface="배달의민족 한나체 Pro" panose="020B0600000101010101" pitchFamily="50" charset="-127"/>
+                        </a:rPr>
+                        <a:t>설명</a:t>
+                      </a:r>
+                      <a:endParaRPr lang="en-US" sz="1100" b="0" i="0" u="none" strike="noStrike" dirty="0">
+                        <a:solidFill>
+                          <a:srgbClr val="000000"/>
+                        </a:solidFill>
+                        <a:effectLst/>
+                        <a:latin typeface="배달의민족 한나체 Pro" panose="020B0600000101010101" pitchFamily="50" charset="-127"/>
+                        <a:ea typeface="배달의민족 한나체 Pro" panose="020B0600000101010101" pitchFamily="50" charset="-127"/>
+                      </a:endParaRPr>
+                    </a:p>
+                  </a:txBody>
+                  <a:tcPr marL="7620" marR="7620" marT="7620" marB="0" anchor="ctr">
+                    <a:lnL w="12700" cap="flat" cmpd="sng" algn="ctr">
+                      <a:solidFill>
+                        <a:schemeClr val="tx1"/>
+                      </a:solidFill>
+                      <a:prstDash val="solid"/>
+                      <a:round/>
+                      <a:headEnd type="none" w="med" len="med"/>
+                      <a:tailEnd type="none" w="med" len="med"/>
+                    </a:lnL>
+                    <a:lnR w="12700" cap="flat" cmpd="sng" algn="ctr">
+                      <a:solidFill>
+                        <a:schemeClr val="tx1"/>
+                      </a:solidFill>
+                      <a:prstDash val="solid"/>
+                      <a:round/>
+                      <a:headEnd type="none" w="med" len="med"/>
+                      <a:tailEnd type="none" w="med" len="med"/>
+                    </a:lnR>
+                    <a:lnT w="12700" cap="flat" cmpd="sng" algn="ctr">
+                      <a:solidFill>
+                        <a:schemeClr val="tx1"/>
+                      </a:solidFill>
+                      <a:prstDash val="solid"/>
+                      <a:round/>
+                      <a:headEnd type="none" w="med" len="med"/>
+                      <a:tailEnd type="none" w="med" len="med"/>
+                    </a:lnT>
+                    <a:lnB w="12700" cap="flat" cmpd="sng" algn="ctr">
+                      <a:solidFill>
+                        <a:schemeClr val="tx1"/>
+                      </a:solidFill>
+                      <a:prstDash val="solid"/>
+                      <a:round/>
+                      <a:headEnd type="none" w="med" len="med"/>
+                      <a:tailEnd type="none" w="med" len="med"/>
+                    </a:lnB>
+                  </a:tcPr>
+                </a:tc>
+                <a:tc>
+                  <a:txBody>
+                    <a:bodyPr/>
+                    <a:lstStyle/>
+                    <a:p>
+                      <a:pPr algn="l" fontAlgn="ctr"/>
+                      <a:r>
+                        <a:rPr lang="ko-KR" altLang="en-US" sz="1100" b="0" i="0" u="none" strike="noStrike" dirty="0">
+                          <a:solidFill>
+                            <a:srgbClr val="000000"/>
+                          </a:solidFill>
+                          <a:effectLst/>
+                          <a:latin typeface="배달의민족 한나체 Air" panose="020B0600000101010101" pitchFamily="50" charset="-127"/>
+                          <a:ea typeface="배달의민족 한나체 Air" panose="020B0600000101010101" pitchFamily="50" charset="-127"/>
+                        </a:rPr>
+                        <a:t>레시피 </a:t>
+                      </a:r>
+                      <a:r>
+                        <a:rPr lang="en-US" altLang="ko-KR" sz="1100" b="0" i="0" u="none" strike="noStrike" dirty="0">
+                          <a:solidFill>
+                            <a:srgbClr val="000000"/>
+                          </a:solidFill>
+                          <a:effectLst/>
+                          <a:latin typeface="배달의민족 한나체 Air" panose="020B0600000101010101" pitchFamily="50" charset="-127"/>
+                          <a:ea typeface="배달의민족 한나체 Air" panose="020B0600000101010101" pitchFamily="50" charset="-127"/>
+                        </a:rPr>
+                        <a:t>Id </a:t>
+                      </a:r>
+                      <a:r>
+                        <a:rPr lang="ko-KR" altLang="en-US" sz="1100" b="0" i="0" u="none" strike="noStrike" dirty="0">
+                          <a:solidFill>
+                            <a:srgbClr val="000000"/>
+                          </a:solidFill>
+                          <a:effectLst/>
+                          <a:latin typeface="배달의민족 한나체 Air" panose="020B0600000101010101" pitchFamily="50" charset="-127"/>
+                          <a:ea typeface="배달의민족 한나체 Air" panose="020B0600000101010101" pitchFamily="50" charset="-127"/>
+                        </a:rPr>
+                        <a:t>표기</a:t>
+                      </a:r>
+                      <a:endParaRPr lang="en-US" altLang="ko-KR" sz="1100" b="0" i="0" u="none" strike="noStrike" dirty="0">
+                        <a:solidFill>
+                          <a:srgbClr val="000000"/>
+                        </a:solidFill>
+                        <a:effectLst/>
+                        <a:latin typeface="배달의민족 한나체 Air" panose="020B0600000101010101" pitchFamily="50" charset="-127"/>
+                        <a:ea typeface="배달의민족 한나체 Air" panose="020B0600000101010101" pitchFamily="50" charset="-127"/>
+                      </a:endParaRPr>
+                    </a:p>
+                    <a:p>
+                      <a:pPr algn="l" fontAlgn="ctr"/>
+                      <a:r>
+                        <a:rPr lang="ko-KR" altLang="en-US" sz="1100" b="0" i="0" u="none" strike="noStrike" dirty="0">
+                          <a:solidFill>
+                            <a:srgbClr val="000000"/>
+                          </a:solidFill>
+                          <a:effectLst/>
+                          <a:latin typeface="배달의민족 한나체 Air" panose="020B0600000101010101" pitchFamily="50" charset="-127"/>
+                          <a:ea typeface="배달의민족 한나체 Air" panose="020B0600000101010101" pitchFamily="50" charset="-127"/>
+                        </a:rPr>
+                        <a:t>예시</a:t>
+                      </a:r>
+                      <a:r>
+                        <a:rPr lang="en-US" altLang="ko-KR" sz="1100" b="0" i="0" u="none" strike="noStrike" dirty="0">
+                          <a:solidFill>
+                            <a:srgbClr val="000000"/>
+                          </a:solidFill>
+                          <a:effectLst/>
+                          <a:latin typeface="배달의민족 한나체 Air" panose="020B0600000101010101" pitchFamily="50" charset="-127"/>
+                          <a:ea typeface="배달의민족 한나체 Air" panose="020B0600000101010101" pitchFamily="50" charset="-127"/>
+                        </a:rPr>
+                        <a:t>) 2xxx</a:t>
+                      </a:r>
+                    </a:p>
+                    <a:p>
+                      <a:pPr algn="l" fontAlgn="ctr"/>
+                      <a:endParaRPr lang="en-US" sz="1100" b="0" i="0" u="none" strike="noStrike" dirty="0">
+                        <a:solidFill>
+                          <a:srgbClr val="000000"/>
+                        </a:solidFill>
+                        <a:effectLst/>
+                        <a:latin typeface="배달의민족 한나체 Air" panose="020B0600000101010101" pitchFamily="50" charset="-127"/>
+                        <a:ea typeface="배달의민족 한나체 Air" panose="020B0600000101010101" pitchFamily="50" charset="-127"/>
+                      </a:endParaRPr>
+                    </a:p>
+                  </a:txBody>
+                  <a:tcPr marL="36000" marR="7620" marT="7620" marB="0" anchor="ctr">
+                    <a:lnL w="12700" cap="flat" cmpd="sng" algn="ctr">
+                      <a:solidFill>
+                        <a:schemeClr val="tx1"/>
+                      </a:solidFill>
+                      <a:prstDash val="solid"/>
+                      <a:round/>
+                      <a:headEnd type="none" w="med" len="med"/>
+                      <a:tailEnd type="none" w="med" len="med"/>
+                    </a:lnL>
+                    <a:lnR w="12700" cap="flat" cmpd="sng" algn="ctr">
+                      <a:solidFill>
+                        <a:schemeClr val="tx1"/>
+                      </a:solidFill>
+                      <a:prstDash val="solid"/>
+                      <a:round/>
+                      <a:headEnd type="none" w="med" len="med"/>
+                      <a:tailEnd type="none" w="med" len="med"/>
+                    </a:lnR>
+                    <a:lnT w="12700" cap="flat" cmpd="sng" algn="ctr">
+                      <a:solidFill>
+                        <a:schemeClr val="tx1"/>
+                      </a:solidFill>
+                      <a:prstDash val="solid"/>
+                      <a:round/>
+                      <a:headEnd type="none" w="med" len="med"/>
+                      <a:tailEnd type="none" w="med" len="med"/>
+                    </a:lnT>
+                    <a:lnB w="12700" cap="flat" cmpd="sng" algn="ctr">
+                      <a:solidFill>
+                        <a:schemeClr val="tx1"/>
+                      </a:solidFill>
+                      <a:prstDash val="solid"/>
+                      <a:round/>
+                      <a:headEnd type="none" w="med" len="med"/>
+                      <a:tailEnd type="none" w="med" len="med"/>
+                    </a:lnB>
+                  </a:tcPr>
+                </a:tc>
+                <a:tc>
+                  <a:txBody>
+                    <a:bodyPr/>
+                    <a:lstStyle/>
+                    <a:p>
+                      <a:pPr algn="l" fontAlgn="ctr"/>
+                      <a:r>
+                        <a:rPr lang="ko-KR" altLang="en-US" sz="1100" b="0" i="0" u="none" strike="noStrike" dirty="0" err="1">
+                          <a:solidFill>
+                            <a:srgbClr val="000000"/>
+                          </a:solidFill>
+                          <a:effectLst/>
+                          <a:latin typeface="배달의민족 한나체 Air" panose="020B0600000101010101" pitchFamily="50" charset="-127"/>
+                          <a:ea typeface="배달의민족 한나체 Air" panose="020B0600000101010101" pitchFamily="50" charset="-127"/>
+                        </a:rPr>
+                        <a:t>포션</a:t>
+                      </a:r>
+                      <a:r>
+                        <a:rPr lang="ko-KR" altLang="en-US" sz="1100" b="0" i="0" u="none" strike="noStrike" dirty="0">
+                          <a:solidFill>
+                            <a:srgbClr val="000000"/>
+                          </a:solidFill>
+                          <a:effectLst/>
+                          <a:latin typeface="배달의민족 한나체 Air" panose="020B0600000101010101" pitchFamily="50" charset="-127"/>
+                          <a:ea typeface="배달의민족 한나체 Air" panose="020B0600000101010101" pitchFamily="50" charset="-127"/>
+                        </a:rPr>
+                        <a:t> 이름 표기</a:t>
+                      </a:r>
+                    </a:p>
+                  </a:txBody>
+                  <a:tcPr marL="36000" marR="7620" marT="7620" marB="0" anchor="ctr">
+                    <a:lnL w="12700" cap="flat" cmpd="sng" algn="ctr">
+                      <a:solidFill>
+                        <a:schemeClr val="tx1"/>
+                      </a:solidFill>
+                      <a:prstDash val="solid"/>
+                      <a:round/>
+                      <a:headEnd type="none" w="med" len="med"/>
+                      <a:tailEnd type="none" w="med" len="med"/>
+                    </a:lnL>
+                    <a:lnR w="12700" cap="flat" cmpd="sng" algn="ctr">
+                      <a:solidFill>
+                        <a:schemeClr val="tx1"/>
+                      </a:solidFill>
+                      <a:prstDash val="solid"/>
+                      <a:round/>
+                      <a:headEnd type="none" w="med" len="med"/>
+                      <a:tailEnd type="none" w="med" len="med"/>
+                    </a:lnR>
+                    <a:lnT w="12700" cap="flat" cmpd="sng" algn="ctr">
+                      <a:solidFill>
+                        <a:schemeClr val="tx1"/>
+                      </a:solidFill>
+                      <a:prstDash val="solid"/>
+                      <a:round/>
+                      <a:headEnd type="none" w="med" len="med"/>
+                      <a:tailEnd type="none" w="med" len="med"/>
+                    </a:lnT>
+                    <a:lnB w="12700" cap="flat" cmpd="sng" algn="ctr">
+                      <a:solidFill>
+                        <a:schemeClr val="tx1"/>
+                      </a:solidFill>
+                      <a:prstDash val="solid"/>
+                      <a:round/>
+                      <a:headEnd type="none" w="med" len="med"/>
+                      <a:tailEnd type="none" w="med" len="med"/>
+                    </a:lnB>
+                  </a:tcPr>
+                </a:tc>
+                <a:tc>
+                  <a:txBody>
+                    <a:bodyPr/>
+                    <a:lstStyle/>
+                    <a:p>
+                      <a:pPr algn="l" fontAlgn="ctr"/>
+                      <a:r>
+                        <a:rPr lang="ko-KR" altLang="en-US" sz="1100" b="0" i="0" u="none" strike="noStrike" dirty="0">
+                          <a:solidFill>
+                            <a:srgbClr val="000000"/>
+                          </a:solidFill>
+                          <a:effectLst/>
+                          <a:latin typeface="배달의민족 한나체 Air" panose="020B0600000101010101" pitchFamily="50" charset="-127"/>
+                          <a:ea typeface="배달의민족 한나체 Air" panose="020B0600000101010101" pitchFamily="50" charset="-127"/>
+                        </a:rPr>
+                        <a:t>버프의 타입을 나타낸다</a:t>
+                      </a:r>
+                      <a:r>
+                        <a:rPr lang="en-US" altLang="ko-KR" sz="1100" b="0" i="0" u="none" strike="noStrike" dirty="0">
+                          <a:solidFill>
+                            <a:srgbClr val="000000"/>
+                          </a:solidFill>
+                          <a:effectLst/>
+                          <a:latin typeface="배달의민족 한나체 Air" panose="020B0600000101010101" pitchFamily="50" charset="-127"/>
+                          <a:ea typeface="배달의민족 한나체 Air" panose="020B0600000101010101" pitchFamily="50" charset="-127"/>
+                        </a:rPr>
+                        <a:t>.</a:t>
+                      </a:r>
+                    </a:p>
+                    <a:p>
+                      <a:pPr algn="l" fontAlgn="ctr"/>
+                      <a:r>
+                        <a:rPr lang="en-US" altLang="ko-KR" sz="1100" b="0" i="0" u="none" strike="noStrike" dirty="0">
+                          <a:solidFill>
+                            <a:srgbClr val="000000"/>
+                          </a:solidFill>
+                          <a:effectLst/>
+                          <a:latin typeface="배달의민족 한나체 Air" panose="020B0600000101010101" pitchFamily="50" charset="-127"/>
+                          <a:ea typeface="배달의민족 한나체 Air" panose="020B0600000101010101" pitchFamily="50" charset="-127"/>
+                        </a:rPr>
+                        <a:t>0:</a:t>
+                      </a:r>
+                      <a:r>
+                        <a:rPr lang="ko-KR" altLang="en-US" sz="1100" b="0" i="0" u="none" strike="noStrike" dirty="0">
+                          <a:solidFill>
+                            <a:srgbClr val="000000"/>
+                          </a:solidFill>
+                          <a:effectLst/>
+                          <a:latin typeface="배달의민족 한나체 Air" panose="020B0600000101010101" pitchFamily="50" charset="-127"/>
+                          <a:ea typeface="배달의민족 한나체 Air" panose="020B0600000101010101" pitchFamily="50" charset="-127"/>
+                        </a:rPr>
+                        <a:t>수치 증가</a:t>
+                      </a:r>
+                      <a:endParaRPr lang="en-US" altLang="ko-KR" sz="1100" b="0" i="0" u="none" strike="noStrike" dirty="0">
+                        <a:solidFill>
+                          <a:srgbClr val="000000"/>
+                        </a:solidFill>
+                        <a:effectLst/>
+                        <a:latin typeface="배달의민족 한나체 Air" panose="020B0600000101010101" pitchFamily="50" charset="-127"/>
+                        <a:ea typeface="배달의민족 한나체 Air" panose="020B0600000101010101" pitchFamily="50" charset="-127"/>
+                      </a:endParaRPr>
+                    </a:p>
+                    <a:p>
+                      <a:pPr algn="l" fontAlgn="ctr"/>
+                      <a:r>
+                        <a:rPr lang="en-US" altLang="ko-KR" sz="1100" b="0" i="0" u="none" strike="noStrike" dirty="0">
+                          <a:solidFill>
+                            <a:srgbClr val="000000"/>
+                          </a:solidFill>
+                          <a:effectLst/>
+                          <a:latin typeface="배달의민족 한나체 Air" panose="020B0600000101010101" pitchFamily="50" charset="-127"/>
+                          <a:ea typeface="배달의민족 한나체 Air" panose="020B0600000101010101" pitchFamily="50" charset="-127"/>
+                        </a:rPr>
+                        <a:t>1:</a:t>
+                      </a:r>
+                      <a:r>
+                        <a:rPr lang="ko-KR" altLang="en-US" sz="1100" b="0" i="0" u="none" strike="noStrike" dirty="0">
+                          <a:solidFill>
+                            <a:srgbClr val="000000"/>
+                          </a:solidFill>
+                          <a:effectLst/>
+                          <a:latin typeface="배달의민족 한나체 Air" panose="020B0600000101010101" pitchFamily="50" charset="-127"/>
+                          <a:ea typeface="배달의민족 한나체 Air" panose="020B0600000101010101" pitchFamily="50" charset="-127"/>
+                        </a:rPr>
+                        <a:t>고정 수치</a:t>
+                      </a:r>
+                      <a:endParaRPr lang="en-US" altLang="ko-KR" sz="1100" b="0" i="0" u="none" strike="noStrike" dirty="0">
+                        <a:solidFill>
+                          <a:srgbClr val="000000"/>
+                        </a:solidFill>
+                        <a:effectLst/>
+                        <a:latin typeface="배달의민족 한나체 Air" panose="020B0600000101010101" pitchFamily="50" charset="-127"/>
+                        <a:ea typeface="배달의민족 한나체 Air" panose="020B0600000101010101" pitchFamily="50" charset="-127"/>
+                      </a:endParaRPr>
+                    </a:p>
+                    <a:p>
+                      <a:pPr algn="l" fontAlgn="ctr"/>
+                      <a:r>
+                        <a:rPr lang="en-US" altLang="ko-KR" sz="1100" b="0" i="0" u="none" strike="noStrike" dirty="0">
+                          <a:solidFill>
+                            <a:srgbClr val="000000"/>
+                          </a:solidFill>
+                          <a:effectLst/>
+                          <a:latin typeface="배달의민족 한나체 Air" panose="020B0600000101010101" pitchFamily="50" charset="-127"/>
+                          <a:ea typeface="배달의민족 한나체 Air" panose="020B0600000101010101" pitchFamily="50" charset="-127"/>
+                        </a:rPr>
+                        <a:t>2:</a:t>
+                      </a:r>
+                      <a:r>
+                        <a:rPr lang="ko-KR" altLang="en-US" sz="1100" b="0" i="0" u="none" strike="noStrike" dirty="0">
+                          <a:solidFill>
+                            <a:srgbClr val="000000"/>
+                          </a:solidFill>
+                          <a:effectLst/>
+                          <a:latin typeface="배달의민족 한나체 Air" panose="020B0600000101010101" pitchFamily="50" charset="-127"/>
+                          <a:ea typeface="배달의민족 한나체 Air" panose="020B0600000101010101" pitchFamily="50" charset="-127"/>
+                        </a:rPr>
+                        <a:t>특수</a:t>
+                      </a:r>
+                      <a:endParaRPr lang="en-US" altLang="ko-KR" sz="1100" b="0" i="0" u="none" strike="noStrike" dirty="0">
+                        <a:solidFill>
+                          <a:srgbClr val="000000"/>
+                        </a:solidFill>
+                        <a:effectLst/>
+                        <a:latin typeface="배달의민족 한나체 Air" panose="020B0600000101010101" pitchFamily="50" charset="-127"/>
+                        <a:ea typeface="배달의민족 한나체 Air" panose="020B0600000101010101" pitchFamily="50" charset="-127"/>
+                      </a:endParaRPr>
+                    </a:p>
+                  </a:txBody>
+                  <a:tcPr marL="36000" marR="7620" marT="7620" marB="0" anchor="ctr">
+                    <a:lnL w="12700" cap="flat" cmpd="sng" algn="ctr">
+                      <a:solidFill>
+                        <a:schemeClr val="tx1"/>
+                      </a:solidFill>
+                      <a:prstDash val="solid"/>
+                      <a:round/>
+                      <a:headEnd type="none" w="med" len="med"/>
+                      <a:tailEnd type="none" w="med" len="med"/>
+                    </a:lnL>
+                    <a:lnR w="12700" cap="flat" cmpd="sng" algn="ctr">
+                      <a:solidFill>
+                        <a:schemeClr val="tx1"/>
+                      </a:solidFill>
+                      <a:prstDash val="solid"/>
+                      <a:round/>
+                      <a:headEnd type="none" w="med" len="med"/>
+                      <a:tailEnd type="none" w="med" len="med"/>
+                    </a:lnR>
+                    <a:lnT w="12700" cap="flat" cmpd="sng" algn="ctr">
+                      <a:solidFill>
+                        <a:schemeClr val="tx1"/>
+                      </a:solidFill>
+                      <a:prstDash val="solid"/>
+                      <a:round/>
+                      <a:headEnd type="none" w="med" len="med"/>
+                      <a:tailEnd type="none" w="med" len="med"/>
+                    </a:lnT>
+                    <a:lnB w="12700" cap="flat" cmpd="sng" algn="ctr">
+                      <a:solidFill>
+                        <a:schemeClr val="tx1"/>
+                      </a:solidFill>
+                      <a:prstDash val="solid"/>
+                      <a:round/>
+                      <a:headEnd type="none" w="med" len="med"/>
+                      <a:tailEnd type="none" w="med" len="med"/>
+                    </a:lnB>
+                  </a:tcPr>
+                </a:tc>
+                <a:tc>
+                  <a:txBody>
+                    <a:bodyPr/>
+                    <a:lstStyle/>
+                    <a:p>
+                      <a:pPr algn="l" fontAlgn="ctr"/>
+                      <a:r>
+                        <a:rPr lang="ko-KR" altLang="en-US" sz="1100" b="0" i="0" u="none" strike="noStrike" dirty="0">
+                          <a:solidFill>
+                            <a:srgbClr val="000000"/>
+                          </a:solidFill>
+                          <a:effectLst/>
+                          <a:latin typeface="배달의민족 한나체 Air" panose="020B0600000101010101" pitchFamily="50" charset="-127"/>
+                          <a:ea typeface="배달의민족 한나체 Air" panose="020B0600000101010101" pitchFamily="50" charset="-127"/>
+                        </a:rPr>
+                        <a:t>버프를 걸어주는</a:t>
+                      </a:r>
+                      <a:endParaRPr lang="en-US" altLang="ko-KR" sz="1100" b="0" i="0" u="none" strike="noStrike" dirty="0">
+                        <a:solidFill>
+                          <a:srgbClr val="000000"/>
+                        </a:solidFill>
+                        <a:effectLst/>
+                        <a:latin typeface="배달의민족 한나체 Air" panose="020B0600000101010101" pitchFamily="50" charset="-127"/>
+                        <a:ea typeface="배달의민족 한나체 Air" panose="020B0600000101010101" pitchFamily="50" charset="-127"/>
+                      </a:endParaRPr>
+                    </a:p>
+                    <a:p>
+                      <a:pPr algn="l" fontAlgn="ctr"/>
+                      <a:r>
+                        <a:rPr lang="ko-KR" altLang="en-US" sz="1100" b="0" i="0" u="none" strike="noStrike" dirty="0">
+                          <a:solidFill>
+                            <a:srgbClr val="000000"/>
+                          </a:solidFill>
+                          <a:effectLst/>
+                          <a:latin typeface="배달의민족 한나체 Air" panose="020B0600000101010101" pitchFamily="50" charset="-127"/>
+                          <a:ea typeface="배달의민족 한나체 Air" panose="020B0600000101010101" pitchFamily="50" charset="-127"/>
+                        </a:rPr>
+                        <a:t>대상을 나타낸다</a:t>
+                      </a:r>
+                      <a:r>
+                        <a:rPr lang="en-US" altLang="ko-KR" sz="1100" b="0" i="0" u="none" strike="noStrike" dirty="0">
+                          <a:solidFill>
+                            <a:srgbClr val="000000"/>
+                          </a:solidFill>
+                          <a:effectLst/>
+                          <a:latin typeface="배달의민족 한나체 Air" panose="020B0600000101010101" pitchFamily="50" charset="-127"/>
+                          <a:ea typeface="배달의민족 한나체 Air" panose="020B0600000101010101" pitchFamily="50" charset="-127"/>
+                        </a:rPr>
+                        <a:t>.</a:t>
+                      </a:r>
+                    </a:p>
+                    <a:p>
+                      <a:pPr algn="l" fontAlgn="ctr"/>
+                      <a:r>
+                        <a:rPr lang="en-US" altLang="ko-KR" sz="1100" b="0" i="0" u="none" strike="noStrike" dirty="0">
+                          <a:solidFill>
+                            <a:srgbClr val="000000"/>
+                          </a:solidFill>
+                          <a:effectLst/>
+                          <a:latin typeface="배달의민족 한나체 Air" panose="020B0600000101010101" pitchFamily="50" charset="-127"/>
+                          <a:ea typeface="배달의민족 한나체 Air" panose="020B0600000101010101" pitchFamily="50" charset="-127"/>
+                        </a:rPr>
+                        <a:t>0:</a:t>
+                      </a:r>
+                      <a:r>
+                        <a:rPr lang="ko-KR" altLang="en-US" sz="1100" b="0" i="0" u="none" strike="noStrike" dirty="0">
+                          <a:solidFill>
+                            <a:srgbClr val="000000"/>
+                          </a:solidFill>
+                          <a:effectLst/>
+                          <a:latin typeface="배달의민족 한나체 Air" panose="020B0600000101010101" pitchFamily="50" charset="-127"/>
+                          <a:ea typeface="배달의민족 한나체 Air" panose="020B0600000101010101" pitchFamily="50" charset="-127"/>
+                        </a:rPr>
+                        <a:t>단일</a:t>
+                      </a:r>
+                      <a:endParaRPr lang="en-US" altLang="ko-KR" sz="1100" b="0" i="0" u="none" strike="noStrike" dirty="0">
+                        <a:solidFill>
+                          <a:srgbClr val="000000"/>
+                        </a:solidFill>
+                        <a:effectLst/>
+                        <a:latin typeface="배달의민족 한나체 Air" panose="020B0600000101010101" pitchFamily="50" charset="-127"/>
+                        <a:ea typeface="배달의민족 한나체 Air" panose="020B0600000101010101" pitchFamily="50" charset="-127"/>
+                      </a:endParaRPr>
+                    </a:p>
+                    <a:p>
+                      <a:pPr algn="l" fontAlgn="ctr"/>
+                      <a:r>
+                        <a:rPr lang="en-US" altLang="ko-KR" sz="1100" b="0" i="0" u="none" strike="noStrike" dirty="0">
+                          <a:solidFill>
+                            <a:srgbClr val="000000"/>
+                          </a:solidFill>
+                          <a:effectLst/>
+                          <a:latin typeface="배달의민족 한나체 Air" panose="020B0600000101010101" pitchFamily="50" charset="-127"/>
+                          <a:ea typeface="배달의민족 한나체 Air" panose="020B0600000101010101" pitchFamily="50" charset="-127"/>
+                        </a:rPr>
+                        <a:t>1:</a:t>
+                      </a:r>
+                      <a:r>
+                        <a:rPr lang="ko-KR" altLang="en-US" sz="1100" b="0" i="0" u="none" strike="noStrike" dirty="0">
+                          <a:solidFill>
+                            <a:srgbClr val="000000"/>
+                          </a:solidFill>
+                          <a:effectLst/>
+                          <a:latin typeface="배달의민족 한나체 Air" panose="020B0600000101010101" pitchFamily="50" charset="-127"/>
+                          <a:ea typeface="배달의민족 한나체 Air" panose="020B0600000101010101" pitchFamily="50" charset="-127"/>
+                        </a:rPr>
+                        <a:t>전체 대상</a:t>
+                      </a:r>
+                      <a:endParaRPr lang="en-US" altLang="ko-KR" sz="1100" b="0" i="0" u="none" strike="noStrike" dirty="0">
+                        <a:solidFill>
+                          <a:srgbClr val="000000"/>
+                        </a:solidFill>
+                        <a:effectLst/>
+                        <a:latin typeface="배달의민족 한나체 Air" panose="020B0600000101010101" pitchFamily="50" charset="-127"/>
+                        <a:ea typeface="배달의민족 한나체 Air" panose="020B0600000101010101" pitchFamily="50" charset="-127"/>
+                      </a:endParaRPr>
+                    </a:p>
+                  </a:txBody>
+                  <a:tcPr marL="36000" marR="7620" marT="7620" marB="0" anchor="ctr">
+                    <a:lnL w="12700" cap="flat" cmpd="sng" algn="ctr">
+                      <a:solidFill>
+                        <a:schemeClr val="tx1"/>
+                      </a:solidFill>
+                      <a:prstDash val="solid"/>
+                      <a:round/>
+                      <a:headEnd type="none" w="med" len="med"/>
+                      <a:tailEnd type="none" w="med" len="med"/>
+                    </a:lnL>
+                    <a:lnR w="12700" cap="flat" cmpd="sng" algn="ctr">
+                      <a:solidFill>
+                        <a:schemeClr val="tx1"/>
+                      </a:solidFill>
+                      <a:prstDash val="solid"/>
+                      <a:round/>
+                      <a:headEnd type="none" w="med" len="med"/>
+                      <a:tailEnd type="none" w="med" len="med"/>
+                    </a:lnR>
+                    <a:lnT w="12700" cap="flat" cmpd="sng" algn="ctr">
+                      <a:solidFill>
+                        <a:schemeClr val="tx1"/>
+                      </a:solidFill>
+                      <a:prstDash val="solid"/>
+                      <a:round/>
+                      <a:headEnd type="none" w="med" len="med"/>
+                      <a:tailEnd type="none" w="med" len="med"/>
+                    </a:lnT>
+                    <a:lnB w="12700" cap="flat" cmpd="sng" algn="ctr">
+                      <a:solidFill>
+                        <a:schemeClr val="tx1"/>
+                      </a:solidFill>
+                      <a:prstDash val="solid"/>
+                      <a:round/>
+                      <a:headEnd type="none" w="med" len="med"/>
+                      <a:tailEnd type="none" w="med" len="med"/>
+                    </a:lnB>
+                  </a:tcPr>
+                </a:tc>
+                <a:tc>
+                  <a:txBody>
+                    <a:bodyPr/>
+                    <a:lstStyle/>
+                    <a:p>
+                      <a:pPr algn="l" fontAlgn="ctr"/>
+                      <a:r>
+                        <a:rPr lang="ko-KR" altLang="en-US" sz="1100" b="0" i="0" u="none" strike="noStrike" dirty="0">
+                          <a:solidFill>
+                            <a:srgbClr val="000000"/>
+                          </a:solidFill>
+                          <a:effectLst/>
+                          <a:latin typeface="배달의민족 한나체 Air" panose="020B0600000101010101" pitchFamily="50" charset="-127"/>
+                          <a:ea typeface="배달의민족 한나체 Air" panose="020B0600000101010101" pitchFamily="50" charset="-127"/>
+                        </a:rPr>
+                        <a:t>버프를 설명할</a:t>
+                      </a:r>
+                      <a:endParaRPr lang="en-US" altLang="ko-KR" sz="1100" b="0" i="0" u="none" strike="noStrike" dirty="0">
+                        <a:solidFill>
+                          <a:srgbClr val="000000"/>
+                        </a:solidFill>
+                        <a:effectLst/>
+                        <a:latin typeface="배달의민족 한나체 Air" panose="020B0600000101010101" pitchFamily="50" charset="-127"/>
+                        <a:ea typeface="배달의민족 한나체 Air" panose="020B0600000101010101" pitchFamily="50" charset="-127"/>
+                      </a:endParaRPr>
+                    </a:p>
+                    <a:p>
+                      <a:pPr algn="l" fontAlgn="ctr"/>
+                      <a:r>
+                        <a:rPr lang="en-US" altLang="ko-KR" sz="1100" b="0" i="0" u="none" strike="noStrike" dirty="0">
+                          <a:solidFill>
+                            <a:srgbClr val="000000"/>
+                          </a:solidFill>
+                          <a:effectLst/>
+                          <a:latin typeface="배달의민족 한나체 Air" panose="020B0600000101010101" pitchFamily="50" charset="-127"/>
+                          <a:ea typeface="배달의민족 한나체 Air" panose="020B0600000101010101" pitchFamily="50" charset="-127"/>
+                        </a:rPr>
+                        <a:t>Text ID</a:t>
+                      </a:r>
+                      <a:r>
+                        <a:rPr lang="ko-KR" altLang="en-US" sz="1100" b="0" i="0" u="none" strike="noStrike" dirty="0">
+                          <a:solidFill>
+                            <a:srgbClr val="000000"/>
+                          </a:solidFill>
+                          <a:effectLst/>
+                          <a:latin typeface="배달의민족 한나체 Air" panose="020B0600000101010101" pitchFamily="50" charset="-127"/>
+                          <a:ea typeface="배달의민족 한나체 Air" panose="020B0600000101010101" pitchFamily="50" charset="-127"/>
+                        </a:rPr>
+                        <a:t>표기</a:t>
+                      </a:r>
+                    </a:p>
+                  </a:txBody>
+                  <a:tcPr marL="36000" marR="7620" marT="7620" marB="0" anchor="ctr">
+                    <a:lnL w="12700" cap="flat" cmpd="sng" algn="ctr">
+                      <a:solidFill>
+                        <a:schemeClr val="tx1"/>
+                      </a:solidFill>
+                      <a:prstDash val="solid"/>
+                      <a:round/>
+                      <a:headEnd type="none" w="med" len="med"/>
+                      <a:tailEnd type="none" w="med" len="med"/>
+                    </a:lnL>
+                    <a:lnR w="12700" cap="flat" cmpd="sng" algn="ctr">
+                      <a:solidFill>
+                        <a:schemeClr val="tx1"/>
+                      </a:solidFill>
+                      <a:prstDash val="solid"/>
+                      <a:round/>
+                      <a:headEnd type="none" w="med" len="med"/>
+                      <a:tailEnd type="none" w="med" len="med"/>
+                    </a:lnR>
+                    <a:lnT w="12700" cap="flat" cmpd="sng" algn="ctr">
+                      <a:solidFill>
+                        <a:schemeClr val="tx1"/>
+                      </a:solidFill>
+                      <a:prstDash val="solid"/>
+                      <a:round/>
+                      <a:headEnd type="none" w="med" len="med"/>
+                      <a:tailEnd type="none" w="med" len="med"/>
+                    </a:lnT>
+                    <a:lnB w="12700" cap="flat" cmpd="sng" algn="ctr">
+                      <a:solidFill>
+                        <a:schemeClr val="tx1"/>
+                      </a:solidFill>
+                      <a:prstDash val="solid"/>
+                      <a:round/>
+                      <a:headEnd type="none" w="med" len="med"/>
+                      <a:tailEnd type="none" w="med" len="med"/>
+                    </a:lnB>
+                  </a:tcPr>
+                </a:tc>
+                <a:tc>
+                  <a:txBody>
+                    <a:bodyPr/>
+                    <a:lstStyle/>
+                    <a:p>
+                      <a:pPr algn="l" fontAlgn="ctr"/>
+                      <a:r>
+                        <a:rPr lang="ko-KR" altLang="en-US" sz="1100" b="0" i="0" u="none" strike="noStrike" dirty="0">
+                          <a:solidFill>
+                            <a:srgbClr val="000000"/>
+                          </a:solidFill>
+                          <a:effectLst/>
+                          <a:latin typeface="배달의민족 한나체 Air" panose="020B0600000101010101" pitchFamily="50" charset="-127"/>
+                          <a:ea typeface="배달의민족 한나체 Air" panose="020B0600000101010101" pitchFamily="50" charset="-127"/>
+                        </a:rPr>
+                        <a:t>버프가 </a:t>
+                      </a:r>
+                      <a:r>
+                        <a:rPr lang="ko-KR" altLang="en-US" sz="1100" b="0" i="0" u="none" strike="noStrike" dirty="0" err="1">
+                          <a:solidFill>
+                            <a:srgbClr val="000000"/>
+                          </a:solidFill>
+                          <a:effectLst/>
+                          <a:latin typeface="배달의민족 한나체 Air" panose="020B0600000101010101" pitchFamily="50" charset="-127"/>
+                          <a:ea typeface="배달의민족 한나체 Air" panose="020B0600000101010101" pitchFamily="50" charset="-127"/>
+                        </a:rPr>
+                        <a:t>사용될시</a:t>
+                      </a:r>
+                      <a:endParaRPr lang="en-US" altLang="ko-KR" sz="1100" b="0" i="0" u="none" strike="noStrike" dirty="0">
+                        <a:solidFill>
+                          <a:srgbClr val="000000"/>
+                        </a:solidFill>
+                        <a:effectLst/>
+                        <a:latin typeface="배달의민족 한나체 Air" panose="020B0600000101010101" pitchFamily="50" charset="-127"/>
+                        <a:ea typeface="배달의민족 한나체 Air" panose="020B0600000101010101" pitchFamily="50" charset="-127"/>
+                      </a:endParaRPr>
+                    </a:p>
+                    <a:p>
+                      <a:pPr algn="l" fontAlgn="ctr"/>
+                      <a:r>
+                        <a:rPr lang="ko-KR" altLang="en-US" sz="1100" b="0" i="0" u="none" strike="noStrike" dirty="0">
+                          <a:solidFill>
+                            <a:srgbClr val="000000"/>
+                          </a:solidFill>
+                          <a:effectLst/>
+                          <a:latin typeface="배달의민족 한나체 Air" panose="020B0600000101010101" pitchFamily="50" charset="-127"/>
+                          <a:ea typeface="배달의민족 한나체 Air" panose="020B0600000101010101" pitchFamily="50" charset="-127"/>
+                        </a:rPr>
+                        <a:t>적용되는 수치의 값을</a:t>
+                      </a:r>
+                      <a:endParaRPr lang="en-US" altLang="ko-KR" sz="1100" b="0" i="0" u="none" strike="noStrike" dirty="0">
+                        <a:solidFill>
+                          <a:srgbClr val="000000"/>
+                        </a:solidFill>
+                        <a:effectLst/>
+                        <a:latin typeface="배달의민족 한나체 Air" panose="020B0600000101010101" pitchFamily="50" charset="-127"/>
+                        <a:ea typeface="배달의민족 한나체 Air" panose="020B0600000101010101" pitchFamily="50" charset="-127"/>
+                      </a:endParaRPr>
+                    </a:p>
+                    <a:p>
+                      <a:pPr algn="l" fontAlgn="ctr"/>
+                      <a:r>
+                        <a:rPr lang="ko-KR" altLang="en-US" sz="1100" b="0" i="0" u="none" strike="noStrike" dirty="0">
+                          <a:solidFill>
+                            <a:srgbClr val="000000"/>
+                          </a:solidFill>
+                          <a:effectLst/>
+                          <a:latin typeface="배달의민족 한나체 Air" panose="020B0600000101010101" pitchFamily="50" charset="-127"/>
+                          <a:ea typeface="배달의민족 한나체 Air" panose="020B0600000101010101" pitchFamily="50" charset="-127"/>
+                        </a:rPr>
+                        <a:t>나타낸다</a:t>
+                      </a:r>
+                      <a:r>
+                        <a:rPr lang="en-US" altLang="ko-KR" sz="1100" b="0" i="0" u="none" strike="noStrike" dirty="0">
+                          <a:solidFill>
+                            <a:srgbClr val="000000"/>
+                          </a:solidFill>
+                          <a:effectLst/>
+                          <a:latin typeface="배달의민족 한나체 Air" panose="020B0600000101010101" pitchFamily="50" charset="-127"/>
+                          <a:ea typeface="배달의민족 한나체 Air" panose="020B0600000101010101" pitchFamily="50" charset="-127"/>
+                        </a:rPr>
+                        <a:t>.</a:t>
+                      </a:r>
+                      <a:endParaRPr lang="ko-KR" altLang="en-US" sz="1100" b="0" i="0" u="none" strike="noStrike" dirty="0">
+                        <a:solidFill>
+                          <a:srgbClr val="000000"/>
+                        </a:solidFill>
+                        <a:effectLst/>
+                        <a:latin typeface="배달의민족 한나체 Air" panose="020B0600000101010101" pitchFamily="50" charset="-127"/>
+                        <a:ea typeface="배달의민족 한나체 Air" panose="020B0600000101010101" pitchFamily="50" charset="-127"/>
+                      </a:endParaRPr>
+                    </a:p>
+                  </a:txBody>
+                  <a:tcPr marL="36000" marR="7620" marT="7620" marB="0" anchor="ctr">
+                    <a:lnL w="12700" cap="flat" cmpd="sng" algn="ctr">
+                      <a:solidFill>
+                        <a:schemeClr val="tx1"/>
+                      </a:solidFill>
+                      <a:prstDash val="solid"/>
+                      <a:round/>
+                      <a:headEnd type="none" w="med" len="med"/>
+                      <a:tailEnd type="none" w="med" len="med"/>
+                    </a:lnL>
+                    <a:lnR w="12700" cap="flat" cmpd="sng" algn="ctr">
+                      <a:solidFill>
+                        <a:schemeClr val="tx1"/>
+                      </a:solidFill>
+                      <a:prstDash val="solid"/>
+                      <a:round/>
+                      <a:headEnd type="none" w="med" len="med"/>
+                      <a:tailEnd type="none" w="med" len="med"/>
+                    </a:lnR>
+                    <a:lnT w="12700" cap="flat" cmpd="sng" algn="ctr">
+                      <a:solidFill>
+                        <a:schemeClr val="tx1"/>
+                      </a:solidFill>
+                      <a:prstDash val="solid"/>
+                      <a:round/>
+                      <a:headEnd type="none" w="med" len="med"/>
+                      <a:tailEnd type="none" w="med" len="med"/>
+                    </a:lnT>
+                    <a:lnB w="12700" cap="flat" cmpd="sng" algn="ctr">
+                      <a:solidFill>
+                        <a:schemeClr val="tx1"/>
+                      </a:solidFill>
+                      <a:prstDash val="solid"/>
+                      <a:round/>
+                      <a:headEnd type="none" w="med" len="med"/>
+                      <a:tailEnd type="none" w="med" len="med"/>
+                    </a:lnB>
+                  </a:tcPr>
+                </a:tc>
+                <a:extLst>
+                  <a:ext uri="{0D108BD9-81ED-4DB2-BD59-A6C34878D82A}">
+                    <a16:rowId xmlns:a16="http://schemas.microsoft.com/office/drawing/2014/main" val="311596677"/>
+                  </a:ext>
+                </a:extLst>
+              </a:tr>
+              <a:tr h="220980">
+                <a:tc>
+                  <a:txBody>
+                    <a:bodyPr/>
+                    <a:lstStyle/>
+                    <a:p>
+                      <a:pPr algn="ctr" fontAlgn="ctr"/>
+                      <a:r>
+                        <a:rPr lang="ko-KR" altLang="en-US" sz="1100" b="0" i="0" u="none" strike="noStrike" dirty="0" err="1">
+                          <a:solidFill>
+                            <a:srgbClr val="000000"/>
+                          </a:solidFill>
+                          <a:effectLst/>
+                          <a:latin typeface="배달의민족 한나체 Pro" panose="020B0600000101010101" pitchFamily="50" charset="-127"/>
+                          <a:ea typeface="배달의민족 한나체 Pro" panose="020B0600000101010101" pitchFamily="50" charset="-127"/>
+                        </a:rPr>
+                        <a:t>변수명</a:t>
+                      </a:r>
+                      <a:endParaRPr lang="en-US" sz="1100" b="0" i="0" u="none" strike="noStrike" dirty="0">
+                        <a:solidFill>
+                          <a:srgbClr val="000000"/>
+                        </a:solidFill>
+                        <a:effectLst/>
+                        <a:latin typeface="배달의민족 한나체 Pro" panose="020B0600000101010101" pitchFamily="50" charset="-127"/>
+                        <a:ea typeface="배달의민족 한나체 Pro" panose="020B0600000101010101" pitchFamily="50" charset="-127"/>
+                      </a:endParaRPr>
+                    </a:p>
+                  </a:txBody>
+                  <a:tcPr marL="7620" marR="7620" marT="7620" marB="0" anchor="ctr">
+                    <a:lnL w="12700" cap="flat" cmpd="sng" algn="ctr">
+                      <a:solidFill>
+                        <a:schemeClr val="tx1"/>
+                      </a:solidFill>
+                      <a:prstDash val="solid"/>
+                      <a:round/>
+                      <a:headEnd type="none" w="med" len="med"/>
+                      <a:tailEnd type="none" w="med" len="med"/>
+                    </a:lnL>
+                    <a:lnR w="12700" cap="flat" cmpd="sng" algn="ctr">
+                      <a:solidFill>
+                        <a:schemeClr val="tx1"/>
+                      </a:solidFill>
+                      <a:prstDash val="solid"/>
+                      <a:round/>
+                      <a:headEnd type="none" w="med" len="med"/>
+                      <a:tailEnd type="none" w="med" len="med"/>
+                    </a:lnR>
+                    <a:lnT w="12700" cap="flat" cmpd="sng" algn="ctr">
+                      <a:solidFill>
+                        <a:schemeClr val="tx1"/>
+                      </a:solidFill>
+                      <a:prstDash val="solid"/>
+                      <a:round/>
+                      <a:headEnd type="none" w="med" len="med"/>
+                      <a:tailEnd type="none" w="med" len="med"/>
+                    </a:lnT>
+                    <a:lnB w="12700" cap="flat" cmpd="sng" algn="ctr">
+                      <a:solidFill>
+                        <a:schemeClr val="tx1"/>
+                      </a:solidFill>
+                      <a:prstDash val="solid"/>
+                      <a:round/>
+                      <a:headEnd type="none" w="med" len="med"/>
+                      <a:tailEnd type="none" w="med" len="med"/>
+                    </a:lnB>
+                  </a:tcPr>
+                </a:tc>
+                <a:tc>
+                  <a:txBody>
+                    <a:bodyPr/>
+                    <a:lstStyle/>
+                    <a:p>
+                      <a:pPr algn="l" fontAlgn="ctr"/>
+                      <a:r>
+                        <a:rPr lang="en-US" sz="1100" b="0" i="0" u="none" strike="noStrike" dirty="0" err="1">
+                          <a:solidFill>
+                            <a:srgbClr val="000000"/>
+                          </a:solidFill>
+                          <a:effectLst/>
+                          <a:latin typeface="배달의민족 한나체 Air" panose="020B0600000101010101" pitchFamily="50" charset="-127"/>
+                          <a:ea typeface="배달의민족 한나체 Air" panose="020B0600000101010101" pitchFamily="50" charset="-127"/>
+                        </a:rPr>
+                        <a:t>BuffID</a:t>
+                      </a:r>
+                      <a:endParaRPr lang="en-US" sz="1100" b="0" i="0" u="none" strike="noStrike" dirty="0">
+                        <a:solidFill>
+                          <a:srgbClr val="000000"/>
+                        </a:solidFill>
+                        <a:effectLst/>
+                        <a:latin typeface="배달의민족 한나체 Air" panose="020B0600000101010101" pitchFamily="50" charset="-127"/>
+                        <a:ea typeface="배달의민족 한나체 Air" panose="020B0600000101010101" pitchFamily="50" charset="-127"/>
+                      </a:endParaRPr>
+                    </a:p>
+                  </a:txBody>
+                  <a:tcPr marL="36000" marR="7620" marT="7620" marB="0" anchor="ctr">
+                    <a:lnL w="12700" cap="flat" cmpd="sng" algn="ctr">
+                      <a:solidFill>
+                        <a:schemeClr val="tx1"/>
+                      </a:solidFill>
+                      <a:prstDash val="solid"/>
+                      <a:round/>
+                      <a:headEnd type="none" w="med" len="med"/>
+                      <a:tailEnd type="none" w="med" len="med"/>
+                    </a:lnL>
+                    <a:lnR w="12700" cap="flat" cmpd="sng" algn="ctr">
+                      <a:solidFill>
+                        <a:schemeClr val="tx1"/>
+                      </a:solidFill>
+                      <a:prstDash val="solid"/>
+                      <a:round/>
+                      <a:headEnd type="none" w="med" len="med"/>
+                      <a:tailEnd type="none" w="med" len="med"/>
+                    </a:lnR>
+                    <a:lnT w="12700" cap="flat" cmpd="sng" algn="ctr">
+                      <a:solidFill>
+                        <a:schemeClr val="tx1"/>
+                      </a:solidFill>
+                      <a:prstDash val="solid"/>
+                      <a:round/>
+                      <a:headEnd type="none" w="med" len="med"/>
+                      <a:tailEnd type="none" w="med" len="med"/>
+                    </a:lnT>
+                    <a:lnB w="12700" cap="flat" cmpd="sng" algn="ctr">
+                      <a:solidFill>
+                        <a:schemeClr val="tx1"/>
+                      </a:solidFill>
+                      <a:prstDash val="solid"/>
+                      <a:round/>
+                      <a:headEnd type="none" w="med" len="med"/>
+                      <a:tailEnd type="none" w="med" len="med"/>
+                    </a:lnB>
+                  </a:tcPr>
+                </a:tc>
+                <a:tc>
+                  <a:txBody>
+                    <a:bodyPr/>
+                    <a:lstStyle/>
+                    <a:p>
+                      <a:pPr algn="l" fontAlgn="ctr"/>
+                      <a:r>
+                        <a:rPr lang="en-US" sz="1100" b="0" i="0" u="none" strike="noStrike" dirty="0" err="1">
+                          <a:solidFill>
+                            <a:srgbClr val="000000"/>
+                          </a:solidFill>
+                          <a:effectLst/>
+                          <a:latin typeface="배달의민족 한나체 Air" panose="020B0600000101010101" pitchFamily="50" charset="-127"/>
+                          <a:ea typeface="배달의민족 한나체 Air" panose="020B0600000101010101" pitchFamily="50" charset="-127"/>
+                        </a:rPr>
+                        <a:t>BuffName</a:t>
+                      </a:r>
+                      <a:endParaRPr lang="en-US" sz="1100" b="0" i="0" u="none" strike="noStrike" dirty="0">
+                        <a:solidFill>
+                          <a:srgbClr val="000000"/>
+                        </a:solidFill>
+                        <a:effectLst/>
+                        <a:latin typeface="배달의민족 한나체 Air" panose="020B0600000101010101" pitchFamily="50" charset="-127"/>
+                        <a:ea typeface="배달의민족 한나체 Air" panose="020B0600000101010101" pitchFamily="50" charset="-127"/>
+                      </a:endParaRPr>
+                    </a:p>
+                  </a:txBody>
+                  <a:tcPr marL="36000" marR="7620" marT="7620" marB="0" anchor="ctr">
+                    <a:lnL w="12700" cap="flat" cmpd="sng" algn="ctr">
+                      <a:solidFill>
+                        <a:schemeClr val="tx1"/>
+                      </a:solidFill>
+                      <a:prstDash val="solid"/>
+                      <a:round/>
+                      <a:headEnd type="none" w="med" len="med"/>
+                      <a:tailEnd type="none" w="med" len="med"/>
+                    </a:lnL>
+                    <a:lnR w="12700" cap="flat" cmpd="sng" algn="ctr">
+                      <a:solidFill>
+                        <a:schemeClr val="tx1"/>
+                      </a:solidFill>
+                      <a:prstDash val="solid"/>
+                      <a:round/>
+                      <a:headEnd type="none" w="med" len="med"/>
+                      <a:tailEnd type="none" w="med" len="med"/>
+                    </a:lnR>
+                    <a:lnT w="12700" cap="flat" cmpd="sng" algn="ctr">
+                      <a:solidFill>
+                        <a:schemeClr val="tx1"/>
+                      </a:solidFill>
+                      <a:prstDash val="solid"/>
+                      <a:round/>
+                      <a:headEnd type="none" w="med" len="med"/>
+                      <a:tailEnd type="none" w="med" len="med"/>
+                    </a:lnT>
+                    <a:lnB w="12700" cap="flat" cmpd="sng" algn="ctr">
+                      <a:solidFill>
+                        <a:schemeClr val="tx1"/>
+                      </a:solidFill>
+                      <a:prstDash val="solid"/>
+                      <a:round/>
+                      <a:headEnd type="none" w="med" len="med"/>
+                      <a:tailEnd type="none" w="med" len="med"/>
+                    </a:lnB>
+                  </a:tcPr>
+                </a:tc>
+                <a:tc>
+                  <a:txBody>
+                    <a:bodyPr/>
+                    <a:lstStyle/>
+                    <a:p>
+                      <a:pPr algn="l" fontAlgn="ctr"/>
+                      <a:r>
+                        <a:rPr lang="en-US" sz="1100" b="0" i="0" u="none" strike="noStrike" dirty="0" err="1">
+                          <a:solidFill>
+                            <a:srgbClr val="000000"/>
+                          </a:solidFill>
+                          <a:effectLst/>
+                          <a:latin typeface="배달의민족 한나체 Air" panose="020B0600000101010101" pitchFamily="50" charset="-127"/>
+                          <a:ea typeface="배달의민족 한나체 Air" panose="020B0600000101010101" pitchFamily="50" charset="-127"/>
+                        </a:rPr>
+                        <a:t>BuffType</a:t>
+                      </a:r>
+                      <a:endParaRPr lang="en-US" sz="1100" b="0" i="0" u="none" strike="noStrike" dirty="0">
+                        <a:solidFill>
+                          <a:srgbClr val="000000"/>
+                        </a:solidFill>
+                        <a:effectLst/>
+                        <a:latin typeface="배달의민족 한나체 Air" panose="020B0600000101010101" pitchFamily="50" charset="-127"/>
+                        <a:ea typeface="배달의민족 한나체 Air" panose="020B0600000101010101" pitchFamily="50" charset="-127"/>
+                      </a:endParaRPr>
+                    </a:p>
+                  </a:txBody>
+                  <a:tcPr marL="36000" marR="7620" marT="7620" marB="0" anchor="ctr">
+                    <a:lnL w="12700" cap="flat" cmpd="sng" algn="ctr">
+                      <a:solidFill>
+                        <a:schemeClr val="tx1"/>
+                      </a:solidFill>
+                      <a:prstDash val="solid"/>
+                      <a:round/>
+                      <a:headEnd type="none" w="med" len="med"/>
+                      <a:tailEnd type="none" w="med" len="med"/>
+                    </a:lnL>
+                    <a:lnR w="12700" cap="flat" cmpd="sng" algn="ctr">
+                      <a:solidFill>
+                        <a:schemeClr val="tx1"/>
+                      </a:solidFill>
+                      <a:prstDash val="solid"/>
+                      <a:round/>
+                      <a:headEnd type="none" w="med" len="med"/>
+                      <a:tailEnd type="none" w="med" len="med"/>
+                    </a:lnR>
+                    <a:lnT w="12700" cap="flat" cmpd="sng" algn="ctr">
+                      <a:solidFill>
+                        <a:schemeClr val="tx1"/>
+                      </a:solidFill>
+                      <a:prstDash val="solid"/>
+                      <a:round/>
+                      <a:headEnd type="none" w="med" len="med"/>
+                      <a:tailEnd type="none" w="med" len="med"/>
+                    </a:lnT>
+                    <a:lnB w="12700" cap="flat" cmpd="sng" algn="ctr">
+                      <a:solidFill>
+                        <a:schemeClr val="tx1"/>
+                      </a:solidFill>
+                      <a:prstDash val="solid"/>
+                      <a:round/>
+                      <a:headEnd type="none" w="med" len="med"/>
+                      <a:tailEnd type="none" w="med" len="med"/>
+                    </a:lnB>
+                  </a:tcPr>
+                </a:tc>
+                <a:tc>
+                  <a:txBody>
+                    <a:bodyPr/>
+                    <a:lstStyle/>
+                    <a:p>
+                      <a:pPr algn="l" fontAlgn="ctr"/>
+                      <a:r>
+                        <a:rPr lang="en-US" sz="1100" b="0" i="0" u="none" strike="noStrike" dirty="0" err="1">
+                          <a:solidFill>
+                            <a:srgbClr val="000000"/>
+                          </a:solidFill>
+                          <a:effectLst/>
+                          <a:latin typeface="배달의민족 한나체 Air" panose="020B0600000101010101" pitchFamily="50" charset="-127"/>
+                          <a:ea typeface="배달의민족 한나체 Air" panose="020B0600000101010101" pitchFamily="50" charset="-127"/>
+                        </a:rPr>
+                        <a:t>BuffTarget</a:t>
+                      </a:r>
+                      <a:endParaRPr lang="en-US" sz="1100" b="0" i="0" u="none" strike="noStrike" dirty="0">
+                        <a:solidFill>
+                          <a:srgbClr val="000000"/>
+                        </a:solidFill>
+                        <a:effectLst/>
+                        <a:latin typeface="배달의민족 한나체 Air" panose="020B0600000101010101" pitchFamily="50" charset="-127"/>
+                        <a:ea typeface="배달의민족 한나체 Air" panose="020B0600000101010101" pitchFamily="50" charset="-127"/>
+                      </a:endParaRPr>
+                    </a:p>
+                  </a:txBody>
+                  <a:tcPr marL="36000" marR="7620" marT="7620" marB="0" anchor="ctr">
+                    <a:lnL w="12700" cap="flat" cmpd="sng" algn="ctr">
+                      <a:solidFill>
+                        <a:schemeClr val="tx1"/>
+                      </a:solidFill>
+                      <a:prstDash val="solid"/>
+                      <a:round/>
+                      <a:headEnd type="none" w="med" len="med"/>
+                      <a:tailEnd type="none" w="med" len="med"/>
+                    </a:lnL>
+                    <a:lnR w="12700" cap="flat" cmpd="sng" algn="ctr">
+                      <a:solidFill>
+                        <a:schemeClr val="tx1"/>
+                      </a:solidFill>
+                      <a:prstDash val="solid"/>
+                      <a:round/>
+                      <a:headEnd type="none" w="med" len="med"/>
+                      <a:tailEnd type="none" w="med" len="med"/>
+                    </a:lnR>
+                    <a:lnT w="12700" cap="flat" cmpd="sng" algn="ctr">
+                      <a:solidFill>
+                        <a:schemeClr val="tx1"/>
+                      </a:solidFill>
+                      <a:prstDash val="solid"/>
+                      <a:round/>
+                      <a:headEnd type="none" w="med" len="med"/>
+                      <a:tailEnd type="none" w="med" len="med"/>
+                    </a:lnT>
+                    <a:lnB w="12700" cap="flat" cmpd="sng" algn="ctr">
+                      <a:solidFill>
+                        <a:schemeClr val="tx1"/>
+                      </a:solidFill>
+                      <a:prstDash val="solid"/>
+                      <a:round/>
+                      <a:headEnd type="none" w="med" len="med"/>
+                      <a:tailEnd type="none" w="med" len="med"/>
+                    </a:lnB>
+                  </a:tcPr>
+                </a:tc>
+                <a:tc>
+                  <a:txBody>
+                    <a:bodyPr/>
+                    <a:lstStyle/>
+                    <a:p>
+                      <a:pPr algn="l" fontAlgn="ctr"/>
+                      <a:r>
+                        <a:rPr lang="en-US" sz="1100" b="0" i="0" u="none" strike="noStrike" dirty="0" err="1">
+                          <a:solidFill>
+                            <a:srgbClr val="000000"/>
+                          </a:solidFill>
+                          <a:effectLst/>
+                          <a:latin typeface="배달의민족 한나체 Air" panose="020B0600000101010101" pitchFamily="50" charset="-127"/>
+                          <a:ea typeface="배달의민족 한나체 Air" panose="020B0600000101010101" pitchFamily="50" charset="-127"/>
+                        </a:rPr>
+                        <a:t>BuffText</a:t>
+                      </a:r>
+                      <a:endParaRPr lang="en-US" sz="1100" b="0" i="0" u="none" strike="noStrike" dirty="0">
+                        <a:solidFill>
+                          <a:srgbClr val="000000"/>
+                        </a:solidFill>
+                        <a:effectLst/>
+                        <a:latin typeface="배달의민족 한나체 Air" panose="020B0600000101010101" pitchFamily="50" charset="-127"/>
+                        <a:ea typeface="배달의민족 한나체 Air" panose="020B0600000101010101" pitchFamily="50" charset="-127"/>
+                      </a:endParaRPr>
+                    </a:p>
+                  </a:txBody>
+                  <a:tcPr marL="36000" marR="7620" marT="7620" marB="0" anchor="ctr">
+                    <a:lnL w="12700" cap="flat" cmpd="sng" algn="ctr">
+                      <a:solidFill>
+                        <a:schemeClr val="tx1"/>
+                      </a:solidFill>
+                      <a:prstDash val="solid"/>
+                      <a:round/>
+                      <a:headEnd type="none" w="med" len="med"/>
+                      <a:tailEnd type="none" w="med" len="med"/>
+                    </a:lnL>
+                    <a:lnR w="12700" cap="flat" cmpd="sng" algn="ctr">
+                      <a:solidFill>
+                        <a:schemeClr val="tx1"/>
+                      </a:solidFill>
+                      <a:prstDash val="solid"/>
+                      <a:round/>
+                      <a:headEnd type="none" w="med" len="med"/>
+                      <a:tailEnd type="none" w="med" len="med"/>
+                    </a:lnR>
+                    <a:lnT w="12700" cap="flat" cmpd="sng" algn="ctr">
+                      <a:solidFill>
+                        <a:schemeClr val="tx1"/>
+                      </a:solidFill>
+                      <a:prstDash val="solid"/>
+                      <a:round/>
+                      <a:headEnd type="none" w="med" len="med"/>
+                      <a:tailEnd type="none" w="med" len="med"/>
+                    </a:lnT>
+                    <a:lnB w="12700" cap="flat" cmpd="sng" algn="ctr">
+                      <a:solidFill>
+                        <a:schemeClr val="tx1"/>
+                      </a:solidFill>
+                      <a:prstDash val="solid"/>
+                      <a:round/>
+                      <a:headEnd type="none" w="med" len="med"/>
+                      <a:tailEnd type="none" w="med" len="med"/>
+                    </a:lnB>
+                  </a:tcPr>
+                </a:tc>
+                <a:tc>
+                  <a:txBody>
+                    <a:bodyPr/>
+                    <a:lstStyle/>
+                    <a:p>
+                      <a:pPr algn="l" fontAlgn="ctr"/>
+                      <a:r>
+                        <a:rPr lang="en-US" sz="1100" b="0" i="0" u="none" strike="noStrike" dirty="0" err="1">
+                          <a:solidFill>
+                            <a:srgbClr val="000000"/>
+                          </a:solidFill>
+                          <a:effectLst/>
+                          <a:latin typeface="배달의민족 한나체 Air" panose="020B0600000101010101" pitchFamily="50" charset="-127"/>
+                          <a:ea typeface="배달의민족 한나체 Air" panose="020B0600000101010101" pitchFamily="50" charset="-127"/>
+                        </a:rPr>
+                        <a:t>BuffValue</a:t>
+                      </a:r>
+                      <a:endParaRPr lang="en-US" sz="1100" b="0" i="0" u="none" strike="noStrike" dirty="0">
+                        <a:solidFill>
+                          <a:srgbClr val="000000"/>
+                        </a:solidFill>
+                        <a:effectLst/>
+                        <a:latin typeface="배달의민족 한나체 Air" panose="020B0600000101010101" pitchFamily="50" charset="-127"/>
+                        <a:ea typeface="배달의민족 한나체 Air" panose="020B0600000101010101" pitchFamily="50" charset="-127"/>
+                      </a:endParaRPr>
+                    </a:p>
+                  </a:txBody>
+                  <a:tcPr marL="36000" marR="7620" marT="7620" marB="0" anchor="ctr">
+                    <a:lnL w="12700" cap="flat" cmpd="sng" algn="ctr">
+                      <a:solidFill>
+                        <a:schemeClr val="tx1"/>
+                      </a:solidFill>
+                      <a:prstDash val="solid"/>
+                      <a:round/>
+                      <a:headEnd type="none" w="med" len="med"/>
+                      <a:tailEnd type="none" w="med" len="med"/>
+                    </a:lnL>
+                    <a:lnR w="12700" cap="flat" cmpd="sng" algn="ctr">
+                      <a:solidFill>
+                        <a:schemeClr val="tx1"/>
+                      </a:solidFill>
+                      <a:prstDash val="solid"/>
+                      <a:round/>
+                      <a:headEnd type="none" w="med" len="med"/>
+                      <a:tailEnd type="none" w="med" len="med"/>
+                    </a:lnR>
+                    <a:lnT w="12700" cap="flat" cmpd="sng" algn="ctr">
+                      <a:solidFill>
+                        <a:schemeClr val="tx1"/>
+                      </a:solidFill>
+                      <a:prstDash val="solid"/>
+                      <a:round/>
+                      <a:headEnd type="none" w="med" len="med"/>
+                      <a:tailEnd type="none" w="med" len="med"/>
+                    </a:lnT>
+                    <a:lnB w="12700" cap="flat" cmpd="sng" algn="ctr">
+                      <a:solidFill>
+                        <a:schemeClr val="tx1"/>
+                      </a:solidFill>
+                      <a:prstDash val="solid"/>
+                      <a:round/>
+                      <a:headEnd type="none" w="med" len="med"/>
+                      <a:tailEnd type="none" w="med" len="med"/>
+                    </a:lnB>
+                  </a:tcPr>
+                </a:tc>
+                <a:extLst>
+                  <a:ext uri="{0D108BD9-81ED-4DB2-BD59-A6C34878D82A}">
+                    <a16:rowId xmlns:a16="http://schemas.microsoft.com/office/drawing/2014/main" val="1414270501"/>
+                  </a:ext>
+                </a:extLst>
+              </a:tr>
+            </a:tbl>
+          </a:graphicData>
+        </a:graphic>
+      </p:graphicFrame>
+    </p:spTree>
+    <p:extLst>
+      <p:ext uri="{BB962C8B-B14F-4D97-AF65-F5344CB8AC3E}">
+        <p14:creationId xmlns:p14="http://schemas.microsoft.com/office/powerpoint/2010/main" val="3282531025"/>
       </p:ext>
     </p:extLst>
   </p:cSld>
